--- a/lessons/E_Polarization_Sentiment/tidy sentiment.pptx
+++ b/lessons/E_Polarization_Sentiment/tidy sentiment.pptx
@@ -10,18 +10,18 @@
   <p:sldIdLst>
     <p:sldId id="738" r:id="rId2"/>
     <p:sldId id="833" r:id="rId3"/>
-    <p:sldId id="831" r:id="rId4"/>
-    <p:sldId id="739" r:id="rId5"/>
-    <p:sldId id="832" r:id="rId6"/>
-    <p:sldId id="820" r:id="rId7"/>
-    <p:sldId id="819" r:id="rId8"/>
-    <p:sldId id="821" r:id="rId9"/>
-    <p:sldId id="740" r:id="rId10"/>
-    <p:sldId id="822" r:id="rId11"/>
-    <p:sldId id="823" r:id="rId12"/>
-    <p:sldId id="824" r:id="rId13"/>
-    <p:sldId id="825" r:id="rId14"/>
-    <p:sldId id="826" r:id="rId15"/>
+    <p:sldId id="835" r:id="rId4"/>
+    <p:sldId id="834" r:id="rId5"/>
+    <p:sldId id="831" r:id="rId6"/>
+    <p:sldId id="739" r:id="rId7"/>
+    <p:sldId id="832" r:id="rId8"/>
+    <p:sldId id="820" r:id="rId9"/>
+    <p:sldId id="819" r:id="rId10"/>
+    <p:sldId id="821" r:id="rId11"/>
+    <p:sldId id="740" r:id="rId12"/>
+    <p:sldId id="822" r:id="rId13"/>
+    <p:sldId id="823" r:id="rId14"/>
+    <p:sldId id="824" r:id="rId15"/>
     <p:sldId id="828" r:id="rId16"/>
   </p:sldIdLst>
   <p:sldSz cx="9144000" cy="6858000" type="screen4x3"/>
@@ -228,7 +228,7 @@
           <a:p>
             <a:fld id="{B0C0A60C-850A-4EA4-9C14-A8FE98B94505}" type="datetimeFigureOut">
               <a:rPr lang="en-US" smtClean="0"/>
-              <a:t>2/21/21</a:t>
+              <a:t>2/24/21</a:t>
             </a:fld>
             <a:endParaRPr lang="en-US"/>
           </a:p>
@@ -711,7 +711,7 @@
           <a:p>
             <a:fld id="{5738B90E-0779-4C36-915C-6F05FCD89456}" type="datetime1">
               <a:rPr lang="en-US" smtClean="0"/>
-              <a:t>2/21/21</a:t>
+              <a:t>2/24/21</a:t>
             </a:fld>
             <a:endParaRPr lang="en-US"/>
           </a:p>
@@ -908,7 +908,7 @@
           <a:p>
             <a:fld id="{7B9EA29D-D431-42FE-B7B6-AAE4454C77D3}" type="datetime1">
               <a:rPr lang="en-US" smtClean="0"/>
-              <a:t>2/21/21</a:t>
+              <a:t>2/24/21</a:t>
             </a:fld>
             <a:endParaRPr lang="en-US"/>
           </a:p>
@@ -1263,7 +1263,7 @@
           <a:p>
             <a:fld id="{690D8A1E-EA8F-46C1-B891-AE0C00D9C314}" type="datetime1">
               <a:rPr lang="en-US" smtClean="0"/>
-              <a:t>2/21/21</a:t>
+              <a:t>2/24/21</a:t>
             </a:fld>
             <a:endParaRPr lang="en-US"/>
           </a:p>
@@ -1571,7 +1571,7 @@
           <a:p>
             <a:fld id="{D753EFC8-4232-4598-94F6-94C0EBAFC469}" type="datetime1">
               <a:rPr lang="en-US" smtClean="0"/>
-              <a:t>2/21/21</a:t>
+              <a:t>2/24/21</a:t>
             </a:fld>
             <a:endParaRPr lang="en-US"/>
           </a:p>
@@ -1900,7 +1900,7 @@
           <a:p>
             <a:fld id="{F3161074-1C18-4AE7-957D-F18524378C85}" type="datetime1">
               <a:rPr lang="en-US" smtClean="0"/>
-              <a:t>2/21/21</a:t>
+              <a:t>2/24/21</a:t>
             </a:fld>
             <a:endParaRPr lang="en-US"/>
           </a:p>
@@ -2153,7 +2153,7 @@
           <a:p>
             <a:fld id="{69BE256C-8D9A-4404-B47D-41A1AE514425}" type="datetime1">
               <a:rPr lang="en-US" smtClean="0"/>
-              <a:t>2/21/21</a:t>
+              <a:t>2/24/21</a:t>
             </a:fld>
             <a:endParaRPr lang="en-US"/>
           </a:p>
@@ -2601,7 +2601,7 @@
           <a:p>
             <a:fld id="{66CB2154-9035-4012-8189-BAAB61C5A5EE}" type="datetime1">
               <a:rPr lang="en-US" smtClean="0"/>
-              <a:t>2/21/21</a:t>
+              <a:t>2/24/21</a:t>
             </a:fld>
             <a:endParaRPr lang="en-US"/>
           </a:p>
@@ -2789,7 +2789,7 @@
           <a:p>
             <a:fld id="{6700A58B-DD98-43D0-B791-721480A02982}" type="datetime1">
               <a:rPr lang="en-US" smtClean="0"/>
-              <a:t>2/21/21</a:t>
+              <a:t>2/24/21</a:t>
             </a:fld>
             <a:endParaRPr lang="en-US"/>
           </a:p>
@@ -2995,7 +2995,7 @@
           <a:p>
             <a:fld id="{7DB6E382-4F61-4E24-BE1A-377EC83D0E3A}" type="datetime1">
               <a:rPr lang="en-US" smtClean="0"/>
-              <a:t>2/21/21</a:t>
+              <a:t>2/24/21</a:t>
             </a:fld>
             <a:endParaRPr lang="en-US"/>
           </a:p>
@@ -3401,7 +3401,7 @@
           <a:p>
             <a:fld id="{4142EED6-FC16-45B9-B8C4-2BC5DBA88325}" type="datetime1">
               <a:rPr lang="en-US" smtClean="0"/>
-              <a:t>2/21/21</a:t>
+              <a:t>2/24/21</a:t>
             </a:fld>
             <a:endParaRPr lang="en-US"/>
           </a:p>
@@ -3733,7 +3733,7 @@
           <a:p>
             <a:fld id="{DF59512B-4F1D-43D7-8819-2F53FEF69650}" type="datetime1">
               <a:rPr lang="en-US" smtClean="0"/>
-              <a:t>2/21/21</a:t>
+              <a:t>2/24/21</a:t>
             </a:fld>
             <a:endParaRPr lang="en-US"/>
           </a:p>
@@ -4023,7 +4023,7 @@
           <a:p>
             <a:fld id="{08437B94-E2BF-44DC-ADC5-B05FC9934E9D}" type="datetime1">
               <a:rPr lang="en-US" smtClean="0"/>
-              <a:t>2/21/21</a:t>
+              <a:t>2/24/21</a:t>
             </a:fld>
             <a:endParaRPr lang="en-US"/>
           </a:p>
@@ -4069,45 +4069,6 @@
           </a:p>
         </p:txBody>
       </p:sp>
-      <p:pic>
-        <p:nvPicPr>
-          <p:cNvPr id="7" name="Picture 4" descr="Image result for gserm"/>
-          <p:cNvPicPr>
-            <a:picLocks noChangeAspect="1" noChangeArrowheads="1"/>
-          </p:cNvPicPr>
-          <p:nvPr userDrawn="1"/>
-        </p:nvPicPr>
-        <p:blipFill rotWithShape="1">
-          <a:blip r:embed="rId13" cstate="print">
-            <a:extLst>
-              <a:ext uri="{28A0092B-C50C-407E-A947-70E740481C1C}">
-                <a14:useLocalDpi xmlns:a14="http://schemas.microsoft.com/office/drawing/2010/main" val="0"/>
-              </a:ext>
-            </a:extLst>
-          </a:blip>
-          <a:srcRect b="33913"/>
-          <a:stretch/>
-        </p:blipFill>
-        <p:spPr bwMode="auto">
-          <a:xfrm>
-            <a:off x="8182940" y="6288258"/>
-            <a:ext cx="961060" cy="534572"/>
-          </a:xfrm>
-          <a:prstGeom prst="rect">
-            <a:avLst/>
-          </a:prstGeom>
-          <a:noFill/>
-          <a:extLst>
-            <a:ext uri="{909E8E84-426E-40DD-AFC4-6F175D3DCCD1}">
-              <a14:hiddenFill xmlns:a14="http://schemas.microsoft.com/office/drawing/2010/main">
-                <a:solidFill>
-                  <a:srgbClr val="FFFFFF"/>
-                </a:solidFill>
-              </a14:hiddenFill>
-            </a:ext>
-          </a:extLst>
-        </p:spPr>
-      </p:pic>
       <p:sp>
         <p:nvSpPr>
           <p:cNvPr id="8" name="Slide Number Placeholder 5"/>
@@ -4785,6 +4746,41 @@
           </a:fontRef>
         </p:style>
       </p:cxnSp>
+      <p:sp>
+        <p:nvSpPr>
+          <p:cNvPr id="9" name="Slide Number Placeholder 5">
+            <a:extLst>
+              <a:ext uri="{FF2B5EF4-FFF2-40B4-BE49-F238E27FC236}">
+                <a16:creationId xmlns:a16="http://schemas.microsoft.com/office/drawing/2014/main" id="{5D48DE97-A76D-4142-ADA3-B0CF207287B1}"/>
+              </a:ext>
+            </a:extLst>
+          </p:cNvPr>
+          <p:cNvSpPr>
+            <a:spLocks noGrp="1"/>
+          </p:cNvSpPr>
+          <p:nvPr>
+            <p:ph type="sldNum" sz="quarter" idx="4"/>
+          </p:nvPr>
+        </p:nvSpPr>
+        <p:spPr>
+          <a:xfrm>
+            <a:off x="7245743" y="6356351"/>
+            <a:ext cx="857250" cy="365125"/>
+          </a:xfrm>
+        </p:spPr>
+        <p:txBody>
+          <a:bodyPr/>
+          <a:lstStyle/>
+          <a:p>
+            <a:fld id="{37290FF7-652B-4475-AEAB-8B1A5D23AE09}" type="slidenum">
+              <a:rPr lang="en-US" smtClean="0"/>
+              <a:pPr/>
+              <a:t>1</a:t>
+            </a:fld>
+            <a:endParaRPr lang="en-US" dirty="0"/>
+          </a:p>
+        </p:txBody>
+      </p:sp>
     </p:spTree>
     <p:extLst>
       <p:ext uri="{BB962C8B-B14F-4D97-AF65-F5344CB8AC3E}">
@@ -4832,7 +4828,7 @@
           <a:p>
             <a:fld id="{6700A58B-DD98-43D0-B791-721480A02982}" type="datetime1">
               <a:rPr lang="en-US" smtClean="0"/>
-              <a:t>2/21/21</a:t>
+              <a:t>2/24/21</a:t>
             </a:fld>
             <a:endParaRPr lang="en-US"/>
           </a:p>
@@ -4850,8 +4846,8 @@
         </p:nvSpPr>
         <p:spPr>
           <a:xfrm>
-            <a:off x="236483" y="365126"/>
-            <a:ext cx="8278867" cy="591477"/>
+            <a:off x="0" y="365126"/>
+            <a:ext cx="8515350" cy="591477"/>
           </a:xfrm>
         </p:spPr>
         <p:txBody>
@@ -4860,7 +4856,7 @@
           <a:p>
             <a:r>
               <a:rPr lang="en-US" dirty="0"/>
-              <a:t>Tidy can seem complicated but not impossible.</a:t>
+              <a:t>In this exercise we will examine 565 News Articles</a:t>
             </a:r>
           </a:p>
         </p:txBody>
@@ -4907,6 +4903,1169 @@
               <a:rPr lang="en-US" smtClean="0"/>
               <a:pPr/>
               <a:t>10</a:t>
+            </a:fld>
+            <a:endParaRPr lang="en-US" dirty="0"/>
+          </a:p>
+        </p:txBody>
+      </p:sp>
+      <p:cxnSp>
+        <p:nvCxnSpPr>
+          <p:cNvPr id="9" name="Straight Connector 8">
+            <a:extLst>
+              <a:ext uri="{FF2B5EF4-FFF2-40B4-BE49-F238E27FC236}">
+                <a16:creationId xmlns:a16="http://schemas.microsoft.com/office/drawing/2014/main" id="{EDB8A8B8-B746-EF49-AA0A-1EB9AE31C3E7}"/>
+              </a:ext>
+            </a:extLst>
+          </p:cNvPr>
+          <p:cNvCxnSpPr/>
+          <p:nvPr/>
+        </p:nvCxnSpPr>
+        <p:spPr>
+          <a:xfrm>
+            <a:off x="6798363" y="6549885"/>
+            <a:ext cx="0" cy="182880"/>
+          </a:xfrm>
+          <a:prstGeom prst="line">
+            <a:avLst/>
+          </a:prstGeom>
+          <a:ln>
+            <a:solidFill>
+              <a:schemeClr val="bg1">
+                <a:lumMod val="85000"/>
+              </a:schemeClr>
+            </a:solidFill>
+          </a:ln>
+        </p:spPr>
+        <p:style>
+          <a:lnRef idx="1">
+            <a:schemeClr val="accent1"/>
+          </a:lnRef>
+          <a:fillRef idx="0">
+            <a:schemeClr val="accent1"/>
+          </a:fillRef>
+          <a:effectRef idx="0">
+            <a:schemeClr val="accent1"/>
+          </a:effectRef>
+          <a:fontRef idx="minor">
+            <a:schemeClr val="tx1"/>
+          </a:fontRef>
+        </p:style>
+      </p:cxnSp>
+      <p:cxnSp>
+        <p:nvCxnSpPr>
+          <p:cNvPr id="10" name="Straight Connector 9">
+            <a:extLst>
+              <a:ext uri="{FF2B5EF4-FFF2-40B4-BE49-F238E27FC236}">
+                <a16:creationId xmlns:a16="http://schemas.microsoft.com/office/drawing/2014/main" id="{3E861DD3-4CF5-3F4B-96A7-76FFEDD98FCF}"/>
+              </a:ext>
+            </a:extLst>
+          </p:cNvPr>
+          <p:cNvCxnSpPr/>
+          <p:nvPr/>
+        </p:nvCxnSpPr>
+        <p:spPr>
+          <a:xfrm>
+            <a:off x="7076661" y="4664763"/>
+            <a:ext cx="182880" cy="0"/>
+          </a:xfrm>
+          <a:prstGeom prst="line">
+            <a:avLst/>
+          </a:prstGeom>
+          <a:ln>
+            <a:solidFill>
+              <a:schemeClr val="bg1">
+                <a:lumMod val="85000"/>
+              </a:schemeClr>
+            </a:solidFill>
+          </a:ln>
+        </p:spPr>
+        <p:style>
+          <a:lnRef idx="1">
+            <a:schemeClr val="accent1"/>
+          </a:lnRef>
+          <a:fillRef idx="0">
+            <a:schemeClr val="accent1"/>
+          </a:fillRef>
+          <a:effectRef idx="0">
+            <a:schemeClr val="accent1"/>
+          </a:effectRef>
+          <a:fontRef idx="minor">
+            <a:schemeClr val="tx1"/>
+          </a:fontRef>
+        </p:style>
+      </p:cxnSp>
+      <p:pic>
+        <p:nvPicPr>
+          <p:cNvPr id="3074" name="Picture 2" descr="Will Ferrell's Best: 'Anchorman,' 'Step Brothers,' 'Elf'… or 'Casa De Mi  Padre'? | IndieWire">
+            <a:extLst>
+              <a:ext uri="{FF2B5EF4-FFF2-40B4-BE49-F238E27FC236}">
+                <a16:creationId xmlns:a16="http://schemas.microsoft.com/office/drawing/2014/main" id="{633C72E0-72EB-4C46-BE58-D38673B35676}"/>
+              </a:ext>
+            </a:extLst>
+          </p:cNvPr>
+          <p:cNvPicPr>
+            <a:picLocks noChangeAspect="1" noChangeArrowheads="1"/>
+          </p:cNvPicPr>
+          <p:nvPr/>
+        </p:nvPicPr>
+        <p:blipFill>
+          <a:blip r:embed="rId2">
+            <a:extLst>
+              <a:ext uri="{28A0092B-C50C-407E-A947-70E740481C1C}">
+                <a14:useLocalDpi xmlns:a14="http://schemas.microsoft.com/office/drawing/2010/main" val="0"/>
+              </a:ext>
+            </a:extLst>
+          </a:blip>
+          <a:srcRect/>
+          <a:stretch>
+            <a:fillRect/>
+          </a:stretch>
+        </p:blipFill>
+        <p:spPr bwMode="auto">
+          <a:xfrm>
+            <a:off x="3937000" y="1562100"/>
+            <a:ext cx="4978400" cy="3733800"/>
+          </a:xfrm>
+          <a:prstGeom prst="rect">
+            <a:avLst/>
+          </a:prstGeom>
+          <a:noFill/>
+          <a:extLst>
+            <a:ext uri="{909E8E84-426E-40DD-AFC4-6F175D3DCCD1}">
+              <a14:hiddenFill xmlns:a14="http://schemas.microsoft.com/office/drawing/2010/main">
+                <a:solidFill>
+                  <a:srgbClr val="FFFFFF"/>
+                </a:solidFill>
+              </a14:hiddenFill>
+            </a:ext>
+          </a:extLst>
+        </p:spPr>
+      </p:pic>
+      <p:sp>
+        <p:nvSpPr>
+          <p:cNvPr id="7" name="TextBox 6">
+            <a:extLst>
+              <a:ext uri="{FF2B5EF4-FFF2-40B4-BE49-F238E27FC236}">
+                <a16:creationId xmlns:a16="http://schemas.microsoft.com/office/drawing/2014/main" id="{F4C22778-DAFE-2841-A63E-60BE17151D2D}"/>
+              </a:ext>
+            </a:extLst>
+          </p:cNvPr>
+          <p:cNvSpPr txBox="1"/>
+          <p:nvPr/>
+        </p:nvSpPr>
+        <p:spPr>
+          <a:xfrm>
+            <a:off x="434340" y="2551837"/>
+            <a:ext cx="3502660" cy="1754326"/>
+          </a:xfrm>
+          <a:prstGeom prst="rect">
+            <a:avLst/>
+          </a:prstGeom>
+          <a:noFill/>
+        </p:spPr>
+        <p:txBody>
+          <a:bodyPr wrap="square" rtlCol="0">
+            <a:spAutoFit/>
+          </a:bodyPr>
+          <a:lstStyle/>
+          <a:p>
+            <a:r>
+              <a:rPr lang="en-US" dirty="0"/>
+              <a:t>Not by news channel but </a:t>
+            </a:r>
+            <a:r>
+              <a:rPr lang="en-US" i="1" dirty="0"/>
+              <a:t>overall</a:t>
+            </a:r>
+            <a:r>
+              <a:rPr lang="en-US" dirty="0"/>
+              <a:t> how can we measure emotional words.  You could perform this analysis by news channel looking for biases in subjects but its not the point of our script.</a:t>
+            </a:r>
+          </a:p>
+        </p:txBody>
+      </p:sp>
+    </p:spTree>
+    <p:extLst>
+      <p:ext uri="{BB962C8B-B14F-4D97-AF65-F5344CB8AC3E}">
+        <p14:creationId xmlns:p14="http://schemas.microsoft.com/office/powerpoint/2010/main" val="2412190367"/>
+      </p:ext>
+    </p:extLst>
+  </p:cSld>
+  <p:clrMapOvr>
+    <a:masterClrMapping/>
+  </p:clrMapOvr>
+</p:sld>
+</file>
+
+<file path=ppt/slides/slide11.xml><?xml version="1.0" encoding="utf-8"?>
+<p:sld xmlns:a="http://schemas.openxmlformats.org/drawingml/2006/main" xmlns:r="http://schemas.openxmlformats.org/officeDocument/2006/relationships" xmlns:p="http://schemas.openxmlformats.org/presentationml/2006/main">
+  <p:cSld>
+    <p:spTree>
+      <p:nvGrpSpPr>
+        <p:cNvPr id="1" name=""/>
+        <p:cNvGrpSpPr/>
+        <p:nvPr/>
+      </p:nvGrpSpPr>
+      <p:grpSpPr>
+        <a:xfrm>
+          <a:off x="0" y="0"/>
+          <a:ext cx="0" cy="0"/>
+          <a:chOff x="0" y="0"/>
+          <a:chExt cx="0" cy="0"/>
+        </a:xfrm>
+      </p:grpSpPr>
+      <p:sp>
+        <p:nvSpPr>
+          <p:cNvPr id="2" name="Date Placeholder 1">
+            <a:extLst>
+              <a:ext uri="{FF2B5EF4-FFF2-40B4-BE49-F238E27FC236}">
+                <a16:creationId xmlns:a16="http://schemas.microsoft.com/office/drawing/2014/main" id="{1C96ADC6-A8AF-4177-80C3-00592755C6E2}"/>
+              </a:ext>
+            </a:extLst>
+          </p:cNvPr>
+          <p:cNvSpPr>
+            <a:spLocks noGrp="1"/>
+          </p:cNvSpPr>
+          <p:nvPr>
+            <p:ph type="dt" sz="half" idx="10"/>
+          </p:nvPr>
+        </p:nvSpPr>
+        <p:spPr/>
+        <p:txBody>
+          <a:bodyPr/>
+          <a:lstStyle/>
+          <a:p>
+            <a:fld id="{6700A58B-DD98-43D0-B791-721480A02982}" type="datetime1">
+              <a:rPr lang="en-US" smtClean="0"/>
+              <a:pPr/>
+              <a:t>2/25/21</a:t>
+            </a:fld>
+            <a:endParaRPr lang="en-US"/>
+          </a:p>
+        </p:txBody>
+      </p:sp>
+      <p:sp>
+        <p:nvSpPr>
+          <p:cNvPr id="3" name="Title 2">
+            <a:extLst>
+              <a:ext uri="{FF2B5EF4-FFF2-40B4-BE49-F238E27FC236}">
+                <a16:creationId xmlns:a16="http://schemas.microsoft.com/office/drawing/2014/main" id="{4F6055C4-6C20-45AD-A381-AF38F6DD4455}"/>
+              </a:ext>
+            </a:extLst>
+          </p:cNvPr>
+          <p:cNvSpPr>
+            <a:spLocks noGrp="1"/>
+          </p:cNvSpPr>
+          <p:nvPr>
+            <p:ph type="title"/>
+          </p:nvPr>
+        </p:nvSpPr>
+        <p:spPr>
+          <a:xfrm>
+            <a:off x="220717" y="365126"/>
+            <a:ext cx="8623738" cy="591477"/>
+          </a:xfrm>
+        </p:spPr>
+        <p:txBody>
+          <a:bodyPr/>
+          <a:lstStyle/>
+          <a:p>
+            <a:r>
+              <a:rPr lang="en-US" sz="2800" dirty="0"/>
+              <a:t>Sentiment the Tidy Way uses joins with existing lexicons</a:t>
+            </a:r>
+          </a:p>
+        </p:txBody>
+      </p:sp>
+      <p:sp>
+        <p:nvSpPr>
+          <p:cNvPr id="9" name="Footer Placeholder 5">
+            <a:extLst>
+              <a:ext uri="{FF2B5EF4-FFF2-40B4-BE49-F238E27FC236}">
+                <a16:creationId xmlns:a16="http://schemas.microsoft.com/office/drawing/2014/main" id="{743436D9-66D6-480D-8753-218AB2841401}"/>
+              </a:ext>
+            </a:extLst>
+          </p:cNvPr>
+          <p:cNvSpPr>
+            <a:spLocks noGrp="1"/>
+          </p:cNvSpPr>
+          <p:nvPr>
+            <p:ph type="ftr" sz="quarter" idx="3"/>
+          </p:nvPr>
+        </p:nvSpPr>
+        <p:spPr/>
+        <p:txBody>
+          <a:bodyPr/>
+          <a:lstStyle/>
+          <a:p>
+            <a:r>
+              <a:rPr lang="en-US"/>
+              <a:t>Kwartler CSCI -96</a:t>
+            </a:r>
+            <a:endParaRPr lang="en-US" dirty="0"/>
+          </a:p>
+        </p:txBody>
+      </p:sp>
+      <p:sp>
+        <p:nvSpPr>
+          <p:cNvPr id="4" name="Slide Number Placeholder 3">
+            <a:extLst>
+              <a:ext uri="{FF2B5EF4-FFF2-40B4-BE49-F238E27FC236}">
+                <a16:creationId xmlns:a16="http://schemas.microsoft.com/office/drawing/2014/main" id="{70A44E92-3086-4AF5-BE02-6B5834CCC318}"/>
+              </a:ext>
+            </a:extLst>
+          </p:cNvPr>
+          <p:cNvSpPr>
+            <a:spLocks noGrp="1"/>
+          </p:cNvSpPr>
+          <p:nvPr>
+            <p:ph type="sldNum" sz="quarter" idx="4"/>
+          </p:nvPr>
+        </p:nvSpPr>
+        <p:spPr/>
+        <p:txBody>
+          <a:bodyPr/>
+          <a:lstStyle/>
+          <a:p>
+            <a:fld id="{37290FF7-652B-4475-AEAB-8B1A5D23AE09}" type="slidenum">
+              <a:rPr lang="en-US" smtClean="0"/>
+              <a:pPr/>
+              <a:t>11</a:t>
+            </a:fld>
+            <a:endParaRPr lang="en-US"/>
+          </a:p>
+        </p:txBody>
+      </p:sp>
+      <p:cxnSp>
+        <p:nvCxnSpPr>
+          <p:cNvPr id="12" name="Straight Connector 11">
+            <a:extLst>
+              <a:ext uri="{FF2B5EF4-FFF2-40B4-BE49-F238E27FC236}">
+                <a16:creationId xmlns:a16="http://schemas.microsoft.com/office/drawing/2014/main" id="{33840748-A370-1D4A-98B6-ED80AB54163A}"/>
+              </a:ext>
+            </a:extLst>
+          </p:cNvPr>
+          <p:cNvCxnSpPr/>
+          <p:nvPr/>
+        </p:nvCxnSpPr>
+        <p:spPr>
+          <a:xfrm>
+            <a:off x="6798363" y="6549885"/>
+            <a:ext cx="0" cy="182880"/>
+          </a:xfrm>
+          <a:prstGeom prst="line">
+            <a:avLst/>
+          </a:prstGeom>
+          <a:ln>
+            <a:solidFill>
+              <a:schemeClr val="bg1">
+                <a:lumMod val="85000"/>
+              </a:schemeClr>
+            </a:solidFill>
+          </a:ln>
+        </p:spPr>
+        <p:style>
+          <a:lnRef idx="1">
+            <a:schemeClr val="accent1"/>
+          </a:lnRef>
+          <a:fillRef idx="0">
+            <a:schemeClr val="accent1"/>
+          </a:fillRef>
+          <a:effectRef idx="0">
+            <a:schemeClr val="accent1"/>
+          </a:effectRef>
+          <a:fontRef idx="minor">
+            <a:schemeClr val="tx1"/>
+          </a:fontRef>
+        </p:style>
+      </p:cxnSp>
+      <p:cxnSp>
+        <p:nvCxnSpPr>
+          <p:cNvPr id="13" name="Straight Connector 12">
+            <a:extLst>
+              <a:ext uri="{FF2B5EF4-FFF2-40B4-BE49-F238E27FC236}">
+                <a16:creationId xmlns:a16="http://schemas.microsoft.com/office/drawing/2014/main" id="{E405A55E-4150-BB40-9C65-8A5E00B89CEA}"/>
+              </a:ext>
+            </a:extLst>
+          </p:cNvPr>
+          <p:cNvCxnSpPr/>
+          <p:nvPr/>
+        </p:nvCxnSpPr>
+        <p:spPr>
+          <a:xfrm>
+            <a:off x="7076661" y="4664763"/>
+            <a:ext cx="182880" cy="0"/>
+          </a:xfrm>
+          <a:prstGeom prst="line">
+            <a:avLst/>
+          </a:prstGeom>
+          <a:ln>
+            <a:solidFill>
+              <a:schemeClr val="bg1">
+                <a:lumMod val="85000"/>
+              </a:schemeClr>
+            </a:solidFill>
+          </a:ln>
+        </p:spPr>
+        <p:style>
+          <a:lnRef idx="1">
+            <a:schemeClr val="accent1"/>
+          </a:lnRef>
+          <a:fillRef idx="0">
+            <a:schemeClr val="accent1"/>
+          </a:fillRef>
+          <a:effectRef idx="0">
+            <a:schemeClr val="accent1"/>
+          </a:effectRef>
+          <a:fontRef idx="minor">
+            <a:schemeClr val="tx1"/>
+          </a:fontRef>
+        </p:style>
+      </p:cxnSp>
+      <p:pic>
+        <p:nvPicPr>
+          <p:cNvPr id="15" name="Picture 14" descr="A screenshot of a cell phone&#10;&#10;Description automatically generated">
+            <a:extLst>
+              <a:ext uri="{FF2B5EF4-FFF2-40B4-BE49-F238E27FC236}">
+                <a16:creationId xmlns:a16="http://schemas.microsoft.com/office/drawing/2014/main" id="{41D6E390-18F6-A246-88BD-A9E4B309D7E2}"/>
+              </a:ext>
+            </a:extLst>
+          </p:cNvPr>
+          <p:cNvPicPr>
+            <a:picLocks noChangeAspect="1"/>
+          </p:cNvPicPr>
+          <p:nvPr/>
+        </p:nvPicPr>
+        <p:blipFill>
+          <a:blip r:embed="rId2">
+            <a:extLst>
+              <a:ext uri="{28A0092B-C50C-407E-A947-70E740481C1C}">
+                <a14:useLocalDpi xmlns:a14="http://schemas.microsoft.com/office/drawing/2010/main" val="0"/>
+              </a:ext>
+            </a:extLst>
+          </a:blip>
+          <a:stretch>
+            <a:fillRect/>
+          </a:stretch>
+        </p:blipFill>
+        <p:spPr>
+          <a:xfrm>
+            <a:off x="257865" y="1461052"/>
+            <a:ext cx="3982830" cy="2259351"/>
+          </a:xfrm>
+          <a:prstGeom prst="rect">
+            <a:avLst/>
+          </a:prstGeom>
+          <a:ln>
+            <a:solidFill>
+              <a:schemeClr val="tx1"/>
+            </a:solidFill>
+          </a:ln>
+        </p:spPr>
+      </p:pic>
+      <p:sp>
+        <p:nvSpPr>
+          <p:cNvPr id="18" name="TextBox 17">
+            <a:extLst>
+              <a:ext uri="{FF2B5EF4-FFF2-40B4-BE49-F238E27FC236}">
+                <a16:creationId xmlns:a16="http://schemas.microsoft.com/office/drawing/2014/main" id="{7C35328F-AF7E-0541-9110-C18A28A41A99}"/>
+              </a:ext>
+            </a:extLst>
+          </p:cNvPr>
+          <p:cNvSpPr txBox="1"/>
+          <p:nvPr/>
+        </p:nvSpPr>
+        <p:spPr>
+          <a:xfrm>
+            <a:off x="159026" y="1113183"/>
+            <a:ext cx="1311578" cy="369332"/>
+          </a:xfrm>
+          <a:prstGeom prst="rect">
+            <a:avLst/>
+          </a:prstGeom>
+          <a:noFill/>
+        </p:spPr>
+        <p:txBody>
+          <a:bodyPr wrap="none" rtlCol="0">
+            <a:spAutoFit/>
+          </a:bodyPr>
+          <a:lstStyle/>
+          <a:p>
+            <a:r>
+              <a:rPr lang="en-US" dirty="0"/>
+              <a:t>6782 Words</a:t>
+            </a:r>
+          </a:p>
+        </p:txBody>
+      </p:sp>
+      <p:sp>
+        <p:nvSpPr>
+          <p:cNvPr id="20" name="TextBox 19">
+            <a:extLst>
+              <a:ext uri="{FF2B5EF4-FFF2-40B4-BE49-F238E27FC236}">
+                <a16:creationId xmlns:a16="http://schemas.microsoft.com/office/drawing/2014/main" id="{029F1A01-EF4E-D54D-B2C9-8019EF4175BD}"/>
+              </a:ext>
+            </a:extLst>
+          </p:cNvPr>
+          <p:cNvSpPr txBox="1"/>
+          <p:nvPr/>
+        </p:nvSpPr>
+        <p:spPr>
+          <a:xfrm>
+            <a:off x="4287078" y="1133062"/>
+            <a:ext cx="1311578" cy="369332"/>
+          </a:xfrm>
+          <a:prstGeom prst="rect">
+            <a:avLst/>
+          </a:prstGeom>
+          <a:noFill/>
+        </p:spPr>
+        <p:txBody>
+          <a:bodyPr wrap="none" rtlCol="0">
+            <a:spAutoFit/>
+          </a:bodyPr>
+          <a:lstStyle/>
+          <a:p>
+            <a:r>
+              <a:rPr lang="en-US" dirty="0"/>
+              <a:t>2477 Words</a:t>
+            </a:r>
+          </a:p>
+        </p:txBody>
+      </p:sp>
+      <p:sp>
+        <p:nvSpPr>
+          <p:cNvPr id="23" name="TextBox 22">
+            <a:extLst>
+              <a:ext uri="{FF2B5EF4-FFF2-40B4-BE49-F238E27FC236}">
+                <a16:creationId xmlns:a16="http://schemas.microsoft.com/office/drawing/2014/main" id="{3A20560B-4DD8-A74F-9054-1901BAABD543}"/>
+              </a:ext>
+            </a:extLst>
+          </p:cNvPr>
+          <p:cNvSpPr txBox="1"/>
+          <p:nvPr/>
+        </p:nvSpPr>
+        <p:spPr>
+          <a:xfrm>
+            <a:off x="165652" y="3796748"/>
+            <a:ext cx="1311578" cy="369332"/>
+          </a:xfrm>
+          <a:prstGeom prst="rect">
+            <a:avLst/>
+          </a:prstGeom>
+          <a:noFill/>
+        </p:spPr>
+        <p:txBody>
+          <a:bodyPr wrap="none" rtlCol="0">
+            <a:spAutoFit/>
+          </a:bodyPr>
+          <a:lstStyle/>
+          <a:p>
+            <a:r>
+              <a:rPr lang="en-US" dirty="0"/>
+              <a:t>4463 Words</a:t>
+            </a:r>
+          </a:p>
+        </p:txBody>
+      </p:sp>
+      <p:pic>
+        <p:nvPicPr>
+          <p:cNvPr id="25" name="Picture 24" descr="A screenshot of a cell phone&#10;&#10;Description automatically generated">
+            <a:extLst>
+              <a:ext uri="{FF2B5EF4-FFF2-40B4-BE49-F238E27FC236}">
+                <a16:creationId xmlns:a16="http://schemas.microsoft.com/office/drawing/2014/main" id="{C7F973D3-26B1-E943-97B5-013D927EC93F}"/>
+              </a:ext>
+            </a:extLst>
+          </p:cNvPr>
+          <p:cNvPicPr>
+            <a:picLocks noChangeAspect="1"/>
+          </p:cNvPicPr>
+          <p:nvPr/>
+        </p:nvPicPr>
+        <p:blipFill>
+          <a:blip r:embed="rId3">
+            <a:extLst>
+              <a:ext uri="{28A0092B-C50C-407E-A947-70E740481C1C}">
+                <a14:useLocalDpi xmlns:a14="http://schemas.microsoft.com/office/drawing/2010/main" val="0"/>
+              </a:ext>
+            </a:extLst>
+          </a:blip>
+          <a:stretch>
+            <a:fillRect/>
+          </a:stretch>
+        </p:blipFill>
+        <p:spPr>
+          <a:xfrm>
+            <a:off x="271118" y="4114800"/>
+            <a:ext cx="3280465" cy="1979275"/>
+          </a:xfrm>
+          <a:prstGeom prst="rect">
+            <a:avLst/>
+          </a:prstGeom>
+          <a:ln>
+            <a:solidFill>
+              <a:schemeClr val="tx1"/>
+            </a:solidFill>
+          </a:ln>
+        </p:spPr>
+      </p:pic>
+      <p:pic>
+        <p:nvPicPr>
+          <p:cNvPr id="27" name="Picture 26" descr="A screenshot of a cell phone&#10;&#10;Description automatically generated">
+            <a:extLst>
+              <a:ext uri="{FF2B5EF4-FFF2-40B4-BE49-F238E27FC236}">
+                <a16:creationId xmlns:a16="http://schemas.microsoft.com/office/drawing/2014/main" id="{BAE8646C-C76C-974A-B2E7-8CB3819C5C6D}"/>
+              </a:ext>
+            </a:extLst>
+          </p:cNvPr>
+          <p:cNvPicPr>
+            <a:picLocks noChangeAspect="1"/>
+          </p:cNvPicPr>
+          <p:nvPr/>
+        </p:nvPicPr>
+        <p:blipFill>
+          <a:blip r:embed="rId4">
+            <a:extLst>
+              <a:ext uri="{28A0092B-C50C-407E-A947-70E740481C1C}">
+                <a14:useLocalDpi xmlns:a14="http://schemas.microsoft.com/office/drawing/2010/main" val="0"/>
+              </a:ext>
+            </a:extLst>
+          </a:blip>
+          <a:stretch>
+            <a:fillRect/>
+          </a:stretch>
+        </p:blipFill>
+        <p:spPr>
+          <a:xfrm>
+            <a:off x="4359855" y="1475961"/>
+            <a:ext cx="3479634" cy="1969604"/>
+          </a:xfrm>
+          <a:prstGeom prst="rect">
+            <a:avLst/>
+          </a:prstGeom>
+          <a:ln>
+            <a:solidFill>
+              <a:schemeClr val="tx1"/>
+            </a:solidFill>
+          </a:ln>
+        </p:spPr>
+      </p:pic>
+      <p:pic>
+        <p:nvPicPr>
+          <p:cNvPr id="5" name="Picture 4">
+            <a:extLst>
+              <a:ext uri="{FF2B5EF4-FFF2-40B4-BE49-F238E27FC236}">
+                <a16:creationId xmlns:a16="http://schemas.microsoft.com/office/drawing/2014/main" id="{DB725BA3-6CD7-A046-8472-78CF1DD28A4A}"/>
+              </a:ext>
+            </a:extLst>
+          </p:cNvPr>
+          <p:cNvPicPr>
+            <a:picLocks noChangeAspect="1"/>
+          </p:cNvPicPr>
+          <p:nvPr/>
+        </p:nvPicPr>
+        <p:blipFill>
+          <a:blip r:embed="rId5"/>
+          <a:stretch>
+            <a:fillRect/>
+          </a:stretch>
+        </p:blipFill>
+        <p:spPr>
+          <a:xfrm>
+            <a:off x="4359855" y="4090280"/>
+            <a:ext cx="3630716" cy="1969604"/>
+          </a:xfrm>
+          <a:prstGeom prst="rect">
+            <a:avLst/>
+          </a:prstGeom>
+          <a:ln>
+            <a:solidFill>
+              <a:schemeClr val="tx1"/>
+            </a:solidFill>
+          </a:ln>
+        </p:spPr>
+      </p:pic>
+      <p:sp>
+        <p:nvSpPr>
+          <p:cNvPr id="16" name="TextBox 15">
+            <a:extLst>
+              <a:ext uri="{FF2B5EF4-FFF2-40B4-BE49-F238E27FC236}">
+                <a16:creationId xmlns:a16="http://schemas.microsoft.com/office/drawing/2014/main" id="{EA8FEEBB-E88C-B543-8EE4-9B6D04308524}"/>
+              </a:ext>
+            </a:extLst>
+          </p:cNvPr>
+          <p:cNvSpPr txBox="1"/>
+          <p:nvPr/>
+        </p:nvSpPr>
+        <p:spPr>
+          <a:xfrm>
+            <a:off x="4359855" y="3757381"/>
+            <a:ext cx="1311578" cy="369332"/>
+          </a:xfrm>
+          <a:prstGeom prst="rect">
+            <a:avLst/>
+          </a:prstGeom>
+          <a:noFill/>
+        </p:spPr>
+        <p:txBody>
+          <a:bodyPr wrap="none" rtlCol="0">
+            <a:spAutoFit/>
+          </a:bodyPr>
+          <a:lstStyle/>
+          <a:p>
+            <a:r>
+              <a:rPr lang="en-US" dirty="0"/>
+              <a:t>1519 Words</a:t>
+            </a:r>
+          </a:p>
+        </p:txBody>
+      </p:sp>
+    </p:spTree>
+    <p:extLst>
+      <p:ext uri="{BB962C8B-B14F-4D97-AF65-F5344CB8AC3E}">
+        <p14:creationId xmlns:p14="http://schemas.microsoft.com/office/powerpoint/2010/main" val="175621166"/>
+      </p:ext>
+    </p:extLst>
+  </p:cSld>
+  <p:clrMapOvr>
+    <a:masterClrMapping/>
+  </p:clrMapOvr>
+  <p:timing>
+    <p:tnLst>
+      <p:par>
+        <p:cTn id="1" dur="indefinite" restart="never" nodeType="tmRoot">
+          <p:childTnLst>
+            <p:seq concurrent="1" nextAc="seek">
+              <p:cTn id="2" dur="indefinite" nodeType="mainSeq">
+                <p:childTnLst>
+                  <p:par>
+                    <p:cTn id="3" fill="hold">
+                      <p:stCondLst>
+                        <p:cond delay="indefinite"/>
+                      </p:stCondLst>
+                      <p:childTnLst>
+                        <p:par>
+                          <p:cTn id="4" fill="hold">
+                            <p:stCondLst>
+                              <p:cond delay="0"/>
+                            </p:stCondLst>
+                            <p:childTnLst>
+                              <p:par>
+                                <p:cTn id="5" presetID="1" presetClass="entr" presetSubtype="0" fill="hold" nodeType="clickEffect">
+                                  <p:stCondLst>
+                                    <p:cond delay="0"/>
+                                  </p:stCondLst>
+                                  <p:childTnLst>
+                                    <p:set>
+                                      <p:cBhvr>
+                                        <p:cTn id="6" dur="1" fill="hold">
+                                          <p:stCondLst>
+                                            <p:cond delay="0"/>
+                                          </p:stCondLst>
+                                        </p:cTn>
+                                        <p:tgtEl>
+                                          <p:spTgt spid="15"/>
+                                        </p:tgtEl>
+                                        <p:attrNameLst>
+                                          <p:attrName>style.visibility</p:attrName>
+                                        </p:attrNameLst>
+                                      </p:cBhvr>
+                                      <p:to>
+                                        <p:strVal val="visible"/>
+                                      </p:to>
+                                    </p:set>
+                                  </p:childTnLst>
+                                </p:cTn>
+                              </p:par>
+                              <p:par>
+                                <p:cTn id="7" presetID="1" presetClass="entr" presetSubtype="0" fill="hold" grpId="0" nodeType="withEffect">
+                                  <p:stCondLst>
+                                    <p:cond delay="0"/>
+                                  </p:stCondLst>
+                                  <p:childTnLst>
+                                    <p:set>
+                                      <p:cBhvr>
+                                        <p:cTn id="8" dur="1" fill="hold">
+                                          <p:stCondLst>
+                                            <p:cond delay="0"/>
+                                          </p:stCondLst>
+                                        </p:cTn>
+                                        <p:tgtEl>
+                                          <p:spTgt spid="18"/>
+                                        </p:tgtEl>
+                                        <p:attrNameLst>
+                                          <p:attrName>style.visibility</p:attrName>
+                                        </p:attrNameLst>
+                                      </p:cBhvr>
+                                      <p:to>
+                                        <p:strVal val="visible"/>
+                                      </p:to>
+                                    </p:set>
+                                  </p:childTnLst>
+                                </p:cTn>
+                              </p:par>
+                            </p:childTnLst>
+                          </p:cTn>
+                        </p:par>
+                      </p:childTnLst>
+                    </p:cTn>
+                  </p:par>
+                  <p:par>
+                    <p:cTn id="9" fill="hold">
+                      <p:stCondLst>
+                        <p:cond delay="indefinite"/>
+                      </p:stCondLst>
+                      <p:childTnLst>
+                        <p:par>
+                          <p:cTn id="10" fill="hold">
+                            <p:stCondLst>
+                              <p:cond delay="0"/>
+                            </p:stCondLst>
+                            <p:childTnLst>
+                              <p:par>
+                                <p:cTn id="11" presetID="1" presetClass="entr" presetSubtype="0" fill="hold" nodeType="clickEffect">
+                                  <p:stCondLst>
+                                    <p:cond delay="0"/>
+                                  </p:stCondLst>
+                                  <p:childTnLst>
+                                    <p:set>
+                                      <p:cBhvr>
+                                        <p:cTn id="12" dur="1" fill="hold">
+                                          <p:stCondLst>
+                                            <p:cond delay="0"/>
+                                          </p:stCondLst>
+                                        </p:cTn>
+                                        <p:tgtEl>
+                                          <p:spTgt spid="27"/>
+                                        </p:tgtEl>
+                                        <p:attrNameLst>
+                                          <p:attrName>style.visibility</p:attrName>
+                                        </p:attrNameLst>
+                                      </p:cBhvr>
+                                      <p:to>
+                                        <p:strVal val="visible"/>
+                                      </p:to>
+                                    </p:set>
+                                  </p:childTnLst>
+                                </p:cTn>
+                              </p:par>
+                              <p:par>
+                                <p:cTn id="13" presetID="1" presetClass="entr" presetSubtype="0" fill="hold" grpId="0" nodeType="withEffect">
+                                  <p:stCondLst>
+                                    <p:cond delay="0"/>
+                                  </p:stCondLst>
+                                  <p:childTnLst>
+                                    <p:set>
+                                      <p:cBhvr>
+                                        <p:cTn id="14" dur="1" fill="hold">
+                                          <p:stCondLst>
+                                            <p:cond delay="0"/>
+                                          </p:stCondLst>
+                                        </p:cTn>
+                                        <p:tgtEl>
+                                          <p:spTgt spid="20"/>
+                                        </p:tgtEl>
+                                        <p:attrNameLst>
+                                          <p:attrName>style.visibility</p:attrName>
+                                        </p:attrNameLst>
+                                      </p:cBhvr>
+                                      <p:to>
+                                        <p:strVal val="visible"/>
+                                      </p:to>
+                                    </p:set>
+                                  </p:childTnLst>
+                                </p:cTn>
+                              </p:par>
+                            </p:childTnLst>
+                          </p:cTn>
+                        </p:par>
+                      </p:childTnLst>
+                    </p:cTn>
+                  </p:par>
+                  <p:par>
+                    <p:cTn id="15" fill="hold">
+                      <p:stCondLst>
+                        <p:cond delay="indefinite"/>
+                      </p:stCondLst>
+                      <p:childTnLst>
+                        <p:par>
+                          <p:cTn id="16" fill="hold">
+                            <p:stCondLst>
+                              <p:cond delay="0"/>
+                            </p:stCondLst>
+                            <p:childTnLst>
+                              <p:par>
+                                <p:cTn id="17" presetID="1" presetClass="entr" presetSubtype="0" fill="hold" grpId="0" nodeType="clickEffect">
+                                  <p:stCondLst>
+                                    <p:cond delay="0"/>
+                                  </p:stCondLst>
+                                  <p:childTnLst>
+                                    <p:set>
+                                      <p:cBhvr>
+                                        <p:cTn id="18" dur="1" fill="hold">
+                                          <p:stCondLst>
+                                            <p:cond delay="0"/>
+                                          </p:stCondLst>
+                                        </p:cTn>
+                                        <p:tgtEl>
+                                          <p:spTgt spid="23"/>
+                                        </p:tgtEl>
+                                        <p:attrNameLst>
+                                          <p:attrName>style.visibility</p:attrName>
+                                        </p:attrNameLst>
+                                      </p:cBhvr>
+                                      <p:to>
+                                        <p:strVal val="visible"/>
+                                      </p:to>
+                                    </p:set>
+                                  </p:childTnLst>
+                                </p:cTn>
+                              </p:par>
+                              <p:par>
+                                <p:cTn id="19" presetID="1" presetClass="entr" presetSubtype="0" fill="hold" nodeType="withEffect">
+                                  <p:stCondLst>
+                                    <p:cond delay="0"/>
+                                  </p:stCondLst>
+                                  <p:childTnLst>
+                                    <p:set>
+                                      <p:cBhvr>
+                                        <p:cTn id="20" dur="1" fill="hold">
+                                          <p:stCondLst>
+                                            <p:cond delay="0"/>
+                                          </p:stCondLst>
+                                        </p:cTn>
+                                        <p:tgtEl>
+                                          <p:spTgt spid="25"/>
+                                        </p:tgtEl>
+                                        <p:attrNameLst>
+                                          <p:attrName>style.visibility</p:attrName>
+                                        </p:attrNameLst>
+                                      </p:cBhvr>
+                                      <p:to>
+                                        <p:strVal val="visible"/>
+                                      </p:to>
+                                    </p:set>
+                                  </p:childTnLst>
+                                </p:cTn>
+                              </p:par>
+                            </p:childTnLst>
+                          </p:cTn>
+                        </p:par>
+                      </p:childTnLst>
+                    </p:cTn>
+                  </p:par>
+                  <p:par>
+                    <p:cTn id="21" fill="hold">
+                      <p:stCondLst>
+                        <p:cond delay="indefinite"/>
+                      </p:stCondLst>
+                      <p:childTnLst>
+                        <p:par>
+                          <p:cTn id="22" fill="hold">
+                            <p:stCondLst>
+                              <p:cond delay="0"/>
+                            </p:stCondLst>
+                            <p:childTnLst>
+                              <p:par>
+                                <p:cTn id="23" presetID="1" presetClass="entr" presetSubtype="0" fill="hold" grpId="0" nodeType="clickEffect">
+                                  <p:stCondLst>
+                                    <p:cond delay="0"/>
+                                  </p:stCondLst>
+                                  <p:childTnLst>
+                                    <p:set>
+                                      <p:cBhvr>
+                                        <p:cTn id="24" dur="1" fill="hold">
+                                          <p:stCondLst>
+                                            <p:cond delay="0"/>
+                                          </p:stCondLst>
+                                        </p:cTn>
+                                        <p:tgtEl>
+                                          <p:spTgt spid="16"/>
+                                        </p:tgtEl>
+                                        <p:attrNameLst>
+                                          <p:attrName>style.visibility</p:attrName>
+                                        </p:attrNameLst>
+                                      </p:cBhvr>
+                                      <p:to>
+                                        <p:strVal val="visible"/>
+                                      </p:to>
+                                    </p:set>
+                                  </p:childTnLst>
+                                </p:cTn>
+                              </p:par>
+                              <p:par>
+                                <p:cTn id="25" presetID="1" presetClass="entr" presetSubtype="0" fill="hold" nodeType="withEffect">
+                                  <p:stCondLst>
+                                    <p:cond delay="0"/>
+                                  </p:stCondLst>
+                                  <p:childTnLst>
+                                    <p:set>
+                                      <p:cBhvr>
+                                        <p:cTn id="26" dur="1" fill="hold">
+                                          <p:stCondLst>
+                                            <p:cond delay="0"/>
+                                          </p:stCondLst>
+                                        </p:cTn>
+                                        <p:tgtEl>
+                                          <p:spTgt spid="5"/>
+                                        </p:tgtEl>
+                                        <p:attrNameLst>
+                                          <p:attrName>style.visibility</p:attrName>
+                                        </p:attrNameLst>
+                                      </p:cBhvr>
+                                      <p:to>
+                                        <p:strVal val="visible"/>
+                                      </p:to>
+                                    </p:set>
+                                  </p:childTnLst>
+                                </p:cTn>
+                              </p:par>
+                            </p:childTnLst>
+                          </p:cTn>
+                        </p:par>
+                      </p:childTnLst>
+                    </p:cTn>
+                  </p:par>
+                </p:childTnLst>
+              </p:cTn>
+              <p:prevCondLst>
+                <p:cond evt="onPrev" delay="0">
+                  <p:tgtEl>
+                    <p:sldTgt/>
+                  </p:tgtEl>
+                </p:cond>
+              </p:prevCondLst>
+              <p:nextCondLst>
+                <p:cond evt="onNext" delay="0">
+                  <p:tgtEl>
+                    <p:sldTgt/>
+                  </p:tgtEl>
+                </p:cond>
+              </p:nextCondLst>
+            </p:seq>
+          </p:childTnLst>
+        </p:cTn>
+      </p:par>
+    </p:tnLst>
+    <p:bldLst>
+      <p:bldP spid="18" grpId="0"/>
+      <p:bldP spid="20" grpId="0"/>
+      <p:bldP spid="23" grpId="0"/>
+      <p:bldP spid="16" grpId="0"/>
+    </p:bldLst>
+  </p:timing>
+</p:sld>
+</file>
+
+<file path=ppt/slides/slide12.xml><?xml version="1.0" encoding="utf-8"?>
+<p:sld xmlns:a="http://schemas.openxmlformats.org/drawingml/2006/main" xmlns:r="http://schemas.openxmlformats.org/officeDocument/2006/relationships" xmlns:p="http://schemas.openxmlformats.org/presentationml/2006/main">
+  <p:cSld>
+    <p:spTree>
+      <p:nvGrpSpPr>
+        <p:cNvPr id="1" name=""/>
+        <p:cNvGrpSpPr/>
+        <p:nvPr/>
+      </p:nvGrpSpPr>
+      <p:grpSpPr>
+        <a:xfrm>
+          <a:off x="0" y="0"/>
+          <a:ext cx="0" cy="0"/>
+          <a:chOff x="0" y="0"/>
+          <a:chExt cx="0" cy="0"/>
+        </a:xfrm>
+      </p:grpSpPr>
+      <p:sp>
+        <p:nvSpPr>
+          <p:cNvPr id="2" name="Date Placeholder 1"/>
+          <p:cNvSpPr>
+            <a:spLocks noGrp="1"/>
+          </p:cNvSpPr>
+          <p:nvPr>
+            <p:ph type="dt" sz="half" idx="10"/>
+          </p:nvPr>
+        </p:nvSpPr>
+        <p:spPr/>
+        <p:txBody>
+          <a:bodyPr/>
+          <a:lstStyle/>
+          <a:p>
+            <a:fld id="{6700A58B-DD98-43D0-B791-721480A02982}" type="datetime1">
+              <a:rPr lang="en-US" smtClean="0"/>
+              <a:t>2/25/21</a:t>
+            </a:fld>
+            <a:endParaRPr lang="en-US"/>
+          </a:p>
+        </p:txBody>
+      </p:sp>
+      <p:sp>
+        <p:nvSpPr>
+          <p:cNvPr id="3" name="Title 2"/>
+          <p:cNvSpPr>
+            <a:spLocks noGrp="1"/>
+          </p:cNvSpPr>
+          <p:nvPr>
+            <p:ph type="title"/>
+          </p:nvPr>
+        </p:nvSpPr>
+        <p:spPr>
+          <a:xfrm>
+            <a:off x="236483" y="365126"/>
+            <a:ext cx="8278867" cy="591477"/>
+          </a:xfrm>
+        </p:spPr>
+        <p:txBody>
+          <a:bodyPr/>
+          <a:lstStyle/>
+          <a:p>
+            <a:r>
+              <a:rPr lang="en-US" dirty="0"/>
+              <a:t>Tidy can seem complicated but not impossible.</a:t>
+            </a:r>
+          </a:p>
+        </p:txBody>
+      </p:sp>
+      <p:sp>
+        <p:nvSpPr>
+          <p:cNvPr id="4" name="Footer Placeholder 3"/>
+          <p:cNvSpPr>
+            <a:spLocks noGrp="1"/>
+          </p:cNvSpPr>
+          <p:nvPr>
+            <p:ph type="ftr" sz="quarter" idx="3"/>
+          </p:nvPr>
+        </p:nvSpPr>
+        <p:spPr/>
+        <p:txBody>
+          <a:bodyPr/>
+          <a:lstStyle/>
+          <a:p>
+            <a:r>
+              <a:rPr lang="en-US"/>
+              <a:t>Kwartler</a:t>
+            </a:r>
+            <a:endParaRPr lang="en-US" dirty="0"/>
+          </a:p>
+        </p:txBody>
+      </p:sp>
+      <p:sp>
+        <p:nvSpPr>
+          <p:cNvPr id="5" name="Slide Number Placeholder 4"/>
+          <p:cNvSpPr>
+            <a:spLocks noGrp="1"/>
+          </p:cNvSpPr>
+          <p:nvPr>
+            <p:ph type="sldNum" sz="quarter" idx="4"/>
+          </p:nvPr>
+        </p:nvSpPr>
+        <p:spPr/>
+        <p:txBody>
+          <a:bodyPr/>
+          <a:lstStyle/>
+          <a:p>
+            <a:fld id="{37290FF7-652B-4475-AEAB-8B1A5D23AE09}" type="slidenum">
+              <a:rPr lang="en-US" smtClean="0"/>
+              <a:pPr/>
+              <a:t>12</a:t>
             </a:fld>
             <a:endParaRPr lang="en-US" dirty="0"/>
           </a:p>
@@ -5120,8 +6279,8 @@
         </p:nvSpPr>
         <p:spPr>
           <a:xfrm rot="19379462">
-            <a:off x="4201746" y="2747573"/>
-            <a:ext cx="941283" cy="307777"/>
+            <a:off x="4381282" y="2747573"/>
+            <a:ext cx="582211" cy="307777"/>
           </a:xfrm>
           <a:prstGeom prst="rect">
             <a:avLst/>
@@ -5144,7 +6303,29 @@
                 <a:ea typeface="Arial Unicode MS" panose="020B0604020202020204" pitchFamily="34" charset="-128"/>
                 <a:cs typeface="Arial Unicode MS" panose="020B0604020202020204" pitchFamily="34" charset="-128"/>
               </a:rPr>
-              <a:t>Song text</a:t>
+              <a:t> </a:t>
+            </a:r>
+            <a:r>
+              <a:rPr lang="en-US" sz="1400" dirty="0">
+                <a:solidFill>
+                  <a:prstClr val="black"/>
+                </a:solidFill>
+                <a:latin typeface="Arial Unicode MS" panose="020B0604020202020204" pitchFamily="34" charset="-128"/>
+                <a:ea typeface="Arial Unicode MS" panose="020B0604020202020204" pitchFamily="34" charset="-128"/>
+                <a:cs typeface="Arial Unicode MS" panose="020B0604020202020204" pitchFamily="34" charset="-128"/>
+              </a:rPr>
+              <a:t>T</a:t>
+            </a:r>
+            <a:r>
+              <a:rPr lang="en-US" sz="1400" kern="1200" dirty="0">
+                <a:solidFill>
+                  <a:prstClr val="black"/>
+                </a:solidFill>
+                <a:latin typeface="Arial Unicode MS" panose="020B0604020202020204" pitchFamily="34" charset="-128"/>
+                <a:ea typeface="Arial Unicode MS" panose="020B0604020202020204" pitchFamily="34" charset="-128"/>
+                <a:cs typeface="Arial Unicode MS" panose="020B0604020202020204" pitchFamily="34" charset="-128"/>
+              </a:rPr>
+              <a:t>ext</a:t>
             </a:r>
           </a:p>
         </p:txBody>
@@ -6671,8 +7852,8 @@
         </p:nvSpPr>
         <p:spPr>
           <a:xfrm rot="19379462">
-            <a:off x="4287056" y="4839820"/>
-            <a:ext cx="941283" cy="307777"/>
+            <a:off x="4491438" y="4839820"/>
+            <a:ext cx="532518" cy="307777"/>
           </a:xfrm>
           <a:prstGeom prst="rect">
             <a:avLst/>
@@ -6686,6 +7867,17 @@
           <a:lstStyle/>
           <a:p>
             <a:pPr defTabSz="457200"/>
+            <a:r>
+              <a:rPr lang="en-US" sz="1400" dirty="0">
+                <a:solidFill>
+                  <a:prstClr val="black"/>
+                </a:solidFill>
+                <a:latin typeface="Arial Unicode MS" panose="020B0604020202020204" pitchFamily="34" charset="-128"/>
+                <a:ea typeface="Arial Unicode MS" panose="020B0604020202020204" pitchFamily="34" charset="-128"/>
+                <a:cs typeface="Arial Unicode MS" panose="020B0604020202020204" pitchFamily="34" charset="-128"/>
+              </a:rPr>
+              <a:t>T</a:t>
+            </a:r>
             <a:r>
               <a:rPr lang="en-US" sz="1400" kern="1200" dirty="0">
                 <a:solidFill>
@@ -6695,7 +7887,7 @@
                 <a:ea typeface="Arial Unicode MS" panose="020B0604020202020204" pitchFamily="34" charset="-128"/>
                 <a:cs typeface="Arial Unicode MS" panose="020B0604020202020204" pitchFamily="34" charset="-128"/>
               </a:rPr>
-              <a:t>Song text</a:t>
+              <a:t>ext</a:t>
             </a:r>
           </a:p>
         </p:txBody>
@@ -6843,6 +8035,73 @@
           </a:fontRef>
         </p:style>
       </p:cxnSp>
+      <p:sp>
+        <p:nvSpPr>
+          <p:cNvPr id="30" name="Rectangle 29">
+            <a:extLst>
+              <a:ext uri="{FF2B5EF4-FFF2-40B4-BE49-F238E27FC236}">
+                <a16:creationId xmlns:a16="http://schemas.microsoft.com/office/drawing/2014/main" id="{36D64566-AE55-F84C-BB60-7BA931312574}"/>
+              </a:ext>
+            </a:extLst>
+          </p:cNvPr>
+          <p:cNvSpPr/>
+          <p:nvPr/>
+        </p:nvSpPr>
+        <p:spPr>
+          <a:xfrm rot="20303227">
+            <a:off x="6598324" y="3033113"/>
+            <a:ext cx="2084007" cy="553998"/>
+          </a:xfrm>
+          <a:prstGeom prst="rect">
+            <a:avLst/>
+          </a:prstGeom>
+          <a:solidFill>
+            <a:schemeClr val="accent6"/>
+          </a:solidFill>
+        </p:spPr>
+        <p:txBody>
+          <a:bodyPr wrap="square">
+            <a:spAutoFit/>
+          </a:bodyPr>
+          <a:lstStyle/>
+          <a:p>
+            <a:pPr defTabSz="457200"/>
+            <a:r>
+              <a:rPr lang="en-US" sz="1000" kern="1200" dirty="0">
+                <a:solidFill>
+                  <a:prstClr val="black"/>
+                </a:solidFill>
+                <a:latin typeface="Consolas" panose="020B0609020204030204" pitchFamily="49" charset="0"/>
+                <a:ea typeface="Arial Unicode MS" panose="020B0604020202020204" pitchFamily="34" charset="-128"/>
+                <a:cs typeface="Consolas" panose="020B0609020204030204" pitchFamily="49" charset="0"/>
+              </a:rPr>
+              <a:t>We use </a:t>
+            </a:r>
+            <a:r>
+              <a:rPr lang="en-US" sz="1000" kern="1200" dirty="0" err="1">
+                <a:solidFill>
+                  <a:prstClr val="black"/>
+                </a:solidFill>
+                <a:latin typeface="Consolas" panose="020B0609020204030204" pitchFamily="49" charset="0"/>
+                <a:ea typeface="Arial Unicode MS" panose="020B0604020202020204" pitchFamily="34" charset="-128"/>
+                <a:cs typeface="Consolas" panose="020B0609020204030204" pitchFamily="49" charset="0"/>
+              </a:rPr>
+              <a:t>cleanCorpus</a:t>
+            </a:r>
+            <a:r>
+              <a:rPr lang="en-US" sz="1000" kern="1200" dirty="0">
+                <a:solidFill>
+                  <a:prstClr val="black"/>
+                </a:solidFill>
+                <a:latin typeface="Consolas" panose="020B0609020204030204" pitchFamily="49" charset="0"/>
+                <a:ea typeface="Arial Unicode MS" panose="020B0604020202020204" pitchFamily="34" charset="-128"/>
+                <a:cs typeface="Consolas" panose="020B0609020204030204" pitchFamily="49" charset="0"/>
+              </a:rPr>
+              <a:t> instead but this is another type of join example.</a:t>
+            </a:r>
+          </a:p>
+        </p:txBody>
+      </p:sp>
     </p:spTree>
     <p:extLst>
       <p:ext uri="{BB962C8B-B14F-4D97-AF65-F5344CB8AC3E}">
@@ -7027,7 +8286,7 @@
                             </p:stCondLst>
                             <p:childTnLst>
                               <p:par>
-                                <p:cTn id="17" presetID="1" presetClass="entr" presetSubtype="0" fill="hold" grpId="0" nodeType="clickEffect">
+                                <p:cTn id="17" presetID="1" presetClass="entr" presetSubtype="0" fill="hold" grpId="1" nodeType="clickEffect">
                                   <p:stCondLst>
                                     <p:cond delay="0"/>
                                   </p:stCondLst>
@@ -7040,7 +8299,7 @@
                                           </p:stCondLst>
                                         </p:cTn>
                                         <p:tgtEl>
-                                          <p:spTgt spid="11"/>
+                                          <p:spTgt spid="30"/>
                                         </p:tgtEl>
                                         <p:attrNameLst>
                                           <p:attrName>style.visibility</p:attrName>
@@ -7053,35 +8312,26 @@
                                   </p:childTnLst>
                                 </p:cTn>
                               </p:par>
+                            </p:childTnLst>
+                          </p:cTn>
+                        </p:par>
+                      </p:childTnLst>
+                    </p:cTn>
+                  </p:par>
+                  <p:par>
+                    <p:cTn id="19" fill="hold">
+                      <p:stCondLst>
+                        <p:cond delay="indefinite"/>
+                      </p:stCondLst>
+                      <p:childTnLst>
+                        <p:par>
+                          <p:cTn id="20" fill="hold">
+                            <p:stCondLst>
+                              <p:cond delay="0"/>
+                            </p:stCondLst>
+                            <p:childTnLst>
                               <p:par>
-                                <p:cTn id="19" presetID="1" presetClass="entr" presetSubtype="0" fill="hold" grpId="0" nodeType="withEffect">
-                                  <p:stCondLst>
-                                    <p:cond delay="0"/>
-                                  </p:stCondLst>
-                                  <p:childTnLst>
-                                    <p:set>
-                                      <p:cBhvr>
-                                        <p:cTn id="20" dur="1" fill="hold">
-                                          <p:stCondLst>
-                                            <p:cond delay="0"/>
-                                          </p:stCondLst>
-                                        </p:cTn>
-                                        <p:tgtEl>
-                                          <p:spTgt spid="27"/>
-                                        </p:tgtEl>
-                                        <p:attrNameLst>
-                                          <p:attrName>style.visibility</p:attrName>
-                                        </p:attrNameLst>
-                                      </p:cBhvr>
-                                      <p:to>
-                                        <p:strVal val="visible"/>
-                                      </p:to>
-                                    </p:set>
-                                  </p:childTnLst>
-                                </p:cTn>
-                              </p:par>
-                              <p:par>
-                                <p:cTn id="21" presetID="1" presetClass="entr" presetSubtype="0" fill="hold" nodeType="withEffect">
+                                <p:cTn id="21" presetID="1" presetClass="entr" presetSubtype="0" fill="hold" grpId="0" nodeType="clickEffect">
                                   <p:stCondLst>
                                     <p:cond delay="0"/>
                                   </p:stCondLst>
@@ -7094,7 +8344,7 @@
                                           </p:stCondLst>
                                         </p:cTn>
                                         <p:tgtEl>
-                                          <p:spTgt spid="18"/>
+                                          <p:spTgt spid="11"/>
                                         </p:tgtEl>
                                         <p:attrNameLst>
                                           <p:attrName>style.visibility</p:attrName>
@@ -7121,6 +8371,60 @@
                                           </p:stCondLst>
                                         </p:cTn>
                                         <p:tgtEl>
+                                          <p:spTgt spid="27"/>
+                                        </p:tgtEl>
+                                        <p:attrNameLst>
+                                          <p:attrName>style.visibility</p:attrName>
+                                        </p:attrNameLst>
+                                      </p:cBhvr>
+                                      <p:to>
+                                        <p:strVal val="visible"/>
+                                      </p:to>
+                                    </p:set>
+                                  </p:childTnLst>
+                                </p:cTn>
+                              </p:par>
+                              <p:par>
+                                <p:cTn id="25" presetID="1" presetClass="entr" presetSubtype="0" fill="hold" nodeType="withEffect">
+                                  <p:stCondLst>
+                                    <p:cond delay="0"/>
+                                  </p:stCondLst>
+                                  <p:childTnLst>
+                                    <p:set>
+                                      <p:cBhvr>
+                                        <p:cTn id="26" dur="1" fill="hold">
+                                          <p:stCondLst>
+                                            <p:cond delay="0"/>
+                                          </p:stCondLst>
+                                        </p:cTn>
+                                        <p:tgtEl>
+                                          <p:spTgt spid="18"/>
+                                        </p:tgtEl>
+                                        <p:attrNameLst>
+                                          <p:attrName>style.visibility</p:attrName>
+                                        </p:attrNameLst>
+                                      </p:cBhvr>
+                                      <p:to>
+                                        <p:strVal val="visible"/>
+                                      </p:to>
+                                    </p:set>
+                                  </p:childTnLst>
+                                </p:cTn>
+                              </p:par>
+                              <p:par>
+                                <p:cTn id="27" presetID="1" presetClass="entr" presetSubtype="0" fill="hold" grpId="0" nodeType="withEffect">
+                                  <p:stCondLst>
+                                    <p:cond delay="0"/>
+                                  </p:stCondLst>
+                                  <p:childTnLst>
+                                    <p:set>
+                                      <p:cBhvr>
+                                        <p:cTn id="28" dur="1" fill="hold">
+                                          <p:stCondLst>
+                                            <p:cond delay="0"/>
+                                          </p:stCondLst>
+                                        </p:cTn>
+                                        <p:tgtEl>
                                           <p:spTgt spid="28"/>
                                         </p:tgtEl>
                                         <p:attrNameLst>
@@ -7135,14 +8439,14 @@
                                 </p:cTn>
                               </p:par>
                               <p:par>
-                                <p:cTn id="25" presetID="1" presetClass="entr" presetSubtype="0" fill="hold" grpId="0" nodeType="withEffect">
+                                <p:cTn id="29" presetID="1" presetClass="entr" presetSubtype="0" fill="hold" grpId="0" nodeType="withEffect">
                                   <p:stCondLst>
                                     <p:cond delay="0"/>
                                   </p:stCondLst>
                                   <p:childTnLst>
                                     <p:set>
                                       <p:cBhvr>
-                                        <p:cTn id="26" dur="1" fill="hold">
+                                        <p:cTn id="30" dur="1" fill="hold">
                                           <p:stCondLst>
                                             <p:cond delay="0"/>
                                           </p:stCondLst>
@@ -7197,12 +8501,13 @@
       <p:bldP spid="22" grpId="0" animBg="1"/>
       <p:bldP spid="27" grpId="0"/>
       <p:bldP spid="28" grpId="0"/>
+      <p:bldP spid="30" grpId="1" animBg="1"/>
     </p:bldLst>
   </p:timing>
 </p:sld>
 </file>
 
-<file path=ppt/slides/slide11.xml><?xml version="1.0" encoding="utf-8"?>
+<file path=ppt/slides/slide13.xml><?xml version="1.0" encoding="utf-8"?>
 <p:sld xmlns:a="http://schemas.openxmlformats.org/drawingml/2006/main" xmlns:r="http://schemas.openxmlformats.org/officeDocument/2006/relationships" xmlns:p="http://schemas.openxmlformats.org/presentationml/2006/main">
   <p:cSld>
     <p:spTree>
@@ -7236,7 +8541,7 @@
           <a:p>
             <a:fld id="{6700A58B-DD98-43D0-B791-721480A02982}" type="datetime1">
               <a:rPr lang="en-US" smtClean="0"/>
-              <a:t>2/21/21</a:t>
+              <a:t>2/24/21</a:t>
             </a:fld>
             <a:endParaRPr lang="en-US"/>
           </a:p>
@@ -7305,7 +8610,7 @@
             <a:fld id="{37290FF7-652B-4475-AEAB-8B1A5D23AE09}" type="slidenum">
               <a:rPr lang="en-US" smtClean="0"/>
               <a:pPr/>
-              <a:t>11</a:t>
+              <a:t>13</a:t>
             </a:fld>
             <a:endParaRPr lang="en-US" dirty="0"/>
           </a:p>
@@ -8284,8 +9589,8 @@
         </p:nvSpPr>
         <p:spPr>
           <a:xfrm>
-            <a:off x="5553585" y="3837524"/>
-            <a:ext cx="1359668" cy="307777"/>
+            <a:off x="5427855" y="3837524"/>
+            <a:ext cx="1589922" cy="369332"/>
           </a:xfrm>
           <a:prstGeom prst="rect">
             <a:avLst/>
@@ -8299,12 +9604,8 @@
           <a:lstStyle/>
           <a:p>
             <a:r>
-              <a:rPr lang="en-US" dirty="0" err="1"/>
-              <a:t>Weeknd</a:t>
-            </a:r>
-            <a:r>
               <a:rPr lang="en-US" dirty="0"/>
-              <a:t> Lyrics</a:t>
+              <a:t>Text to Analyze</a:t>
             </a:r>
           </a:p>
         </p:txBody>
@@ -8517,7 +9818,7 @@
 </p:sld>
 </file>
 
-<file path=ppt/slides/slide12.xml><?xml version="1.0" encoding="utf-8"?>
+<file path=ppt/slides/slide14.xml><?xml version="1.0" encoding="utf-8"?>
 <p:sld xmlns:a="http://schemas.openxmlformats.org/drawingml/2006/main" xmlns:r="http://schemas.openxmlformats.org/officeDocument/2006/relationships" xmlns:p="http://schemas.openxmlformats.org/presentationml/2006/main">
   <p:cSld>
     <p:spTree>
@@ -8551,7 +9852,7 @@
           <a:p>
             <a:fld id="{6700A58B-DD98-43D0-B791-721480A02982}" type="datetime1">
               <a:rPr lang="en-US" smtClean="0"/>
-              <a:t>2/21/21</a:t>
+              <a:t>2/24/21</a:t>
             </a:fld>
             <a:endParaRPr lang="en-US"/>
           </a:p>
@@ -8620,7 +9921,7 @@
             <a:fld id="{37290FF7-652B-4475-AEAB-8B1A5D23AE09}" type="slidenum">
               <a:rPr lang="en-US" smtClean="0"/>
               <a:pPr/>
-              <a:t>12</a:t>
+              <a:t>14</a:t>
             </a:fld>
             <a:endParaRPr lang="en-US" dirty="0"/>
           </a:p>
@@ -8654,7 +9955,7 @@
             </a:r>
             <a:r>
               <a:rPr lang="en-US" dirty="0" err="1"/>
-              <a:t>B_sentimentAnalysis.R</a:t>
+              <a:t>F_sentimentAnalysis.R</a:t>
             </a:r>
             <a:endParaRPr lang="en-US" dirty="0"/>
           </a:p>
@@ -8798,1286 +10099,6 @@
 </p:sld>
 </file>
 
-<file path=ppt/slides/slide13.xml><?xml version="1.0" encoding="utf-8"?>
-<p:sld xmlns:a="http://schemas.openxmlformats.org/drawingml/2006/main" xmlns:r="http://schemas.openxmlformats.org/officeDocument/2006/relationships" xmlns:p="http://schemas.openxmlformats.org/presentationml/2006/main">
-  <p:cSld>
-    <p:spTree>
-      <p:nvGrpSpPr>
-        <p:cNvPr id="1" name=""/>
-        <p:cNvGrpSpPr/>
-        <p:nvPr/>
-      </p:nvGrpSpPr>
-      <p:grpSpPr>
-        <a:xfrm>
-          <a:off x="0" y="0"/>
-          <a:ext cx="0" cy="0"/>
-          <a:chOff x="0" y="0"/>
-          <a:chExt cx="0" cy="0"/>
-        </a:xfrm>
-      </p:grpSpPr>
-      <p:sp>
-        <p:nvSpPr>
-          <p:cNvPr id="2" name="Date Placeholder 1"/>
-          <p:cNvSpPr>
-            <a:spLocks noGrp="1"/>
-          </p:cNvSpPr>
-          <p:nvPr>
-            <p:ph type="dt" sz="half" idx="10"/>
-          </p:nvPr>
-        </p:nvSpPr>
-        <p:spPr/>
-        <p:txBody>
-          <a:bodyPr/>
-          <a:lstStyle/>
-          <a:p>
-            <a:fld id="{6700A58B-DD98-43D0-B791-721480A02982}" type="datetime1">
-              <a:rPr lang="en-US" smtClean="0"/>
-              <a:t>2/21/21</a:t>
-            </a:fld>
-            <a:endParaRPr lang="en-US"/>
-          </a:p>
-        </p:txBody>
-      </p:sp>
-      <p:sp>
-        <p:nvSpPr>
-          <p:cNvPr id="3" name="Title 2"/>
-          <p:cNvSpPr>
-            <a:spLocks noGrp="1"/>
-          </p:cNvSpPr>
-          <p:nvPr>
-            <p:ph type="title"/>
-          </p:nvPr>
-        </p:nvSpPr>
-        <p:spPr/>
-        <p:txBody>
-          <a:bodyPr/>
-          <a:lstStyle/>
-          <a:p>
-            <a:r>
-              <a:rPr lang="en-US" dirty="0"/>
-              <a:t>Similar polarity scores in both methods</a:t>
-            </a:r>
-          </a:p>
-        </p:txBody>
-      </p:sp>
-      <p:sp>
-        <p:nvSpPr>
-          <p:cNvPr id="4" name="Footer Placeholder 3"/>
-          <p:cNvSpPr>
-            <a:spLocks noGrp="1"/>
-          </p:cNvSpPr>
-          <p:nvPr>
-            <p:ph type="ftr" sz="quarter" idx="3"/>
-          </p:nvPr>
-        </p:nvSpPr>
-        <p:spPr/>
-        <p:txBody>
-          <a:bodyPr/>
-          <a:lstStyle/>
-          <a:p>
-            <a:r>
-              <a:rPr lang="en-US"/>
-              <a:t>Kwartler</a:t>
-            </a:r>
-            <a:endParaRPr lang="en-US" dirty="0"/>
-          </a:p>
-        </p:txBody>
-      </p:sp>
-      <p:sp>
-        <p:nvSpPr>
-          <p:cNvPr id="5" name="Slide Number Placeholder 4"/>
-          <p:cNvSpPr>
-            <a:spLocks noGrp="1"/>
-          </p:cNvSpPr>
-          <p:nvPr>
-            <p:ph type="sldNum" sz="quarter" idx="4"/>
-          </p:nvPr>
-        </p:nvSpPr>
-        <p:spPr/>
-        <p:txBody>
-          <a:bodyPr/>
-          <a:lstStyle/>
-          <a:p>
-            <a:fld id="{37290FF7-652B-4475-AEAB-8B1A5D23AE09}" type="slidenum">
-              <a:rPr lang="en-US" smtClean="0"/>
-              <a:pPr/>
-              <a:t>13</a:t>
-            </a:fld>
-            <a:endParaRPr lang="en-US" dirty="0"/>
-          </a:p>
-        </p:txBody>
-      </p:sp>
-      <p:pic>
-        <p:nvPicPr>
-          <p:cNvPr id="14" name="Picture 13">
-            <a:extLst>
-              <a:ext uri="{FF2B5EF4-FFF2-40B4-BE49-F238E27FC236}">
-                <a16:creationId xmlns:a16="http://schemas.microsoft.com/office/drawing/2014/main" id="{6AA2AC30-4A92-44BB-9F1B-2FAFA129DA83}"/>
-              </a:ext>
-            </a:extLst>
-          </p:cNvPr>
-          <p:cNvPicPr>
-            <a:picLocks noChangeAspect="1"/>
-          </p:cNvPicPr>
-          <p:nvPr/>
-        </p:nvPicPr>
-        <p:blipFill>
-          <a:blip r:embed="rId2"/>
-          <a:stretch>
-            <a:fillRect/>
-          </a:stretch>
-        </p:blipFill>
-        <p:spPr>
-          <a:xfrm>
-            <a:off x="1275486" y="2221102"/>
-            <a:ext cx="5981700" cy="1323975"/>
-          </a:xfrm>
-          <a:prstGeom prst="rect">
-            <a:avLst/>
-          </a:prstGeom>
-        </p:spPr>
-      </p:pic>
-      <p:cxnSp>
-        <p:nvCxnSpPr>
-          <p:cNvPr id="10" name="Straight Connector 9">
-            <a:extLst>
-              <a:ext uri="{FF2B5EF4-FFF2-40B4-BE49-F238E27FC236}">
-                <a16:creationId xmlns:a16="http://schemas.microsoft.com/office/drawing/2014/main" id="{6800363F-ADF3-B845-8B94-BD9FEE2E13F8}"/>
-              </a:ext>
-            </a:extLst>
-          </p:cNvPr>
-          <p:cNvCxnSpPr/>
-          <p:nvPr/>
-        </p:nvCxnSpPr>
-        <p:spPr>
-          <a:xfrm>
-            <a:off x="6798363" y="6549885"/>
-            <a:ext cx="0" cy="182880"/>
-          </a:xfrm>
-          <a:prstGeom prst="line">
-            <a:avLst/>
-          </a:prstGeom>
-          <a:ln>
-            <a:solidFill>
-              <a:schemeClr val="bg1">
-                <a:lumMod val="85000"/>
-              </a:schemeClr>
-            </a:solidFill>
-          </a:ln>
-        </p:spPr>
-        <p:style>
-          <a:lnRef idx="1">
-            <a:schemeClr val="accent1"/>
-          </a:lnRef>
-          <a:fillRef idx="0">
-            <a:schemeClr val="accent1"/>
-          </a:fillRef>
-          <a:effectRef idx="0">
-            <a:schemeClr val="accent1"/>
-          </a:effectRef>
-          <a:fontRef idx="minor">
-            <a:schemeClr val="tx1"/>
-          </a:fontRef>
-        </p:style>
-      </p:cxnSp>
-      <p:cxnSp>
-        <p:nvCxnSpPr>
-          <p:cNvPr id="11" name="Straight Connector 10">
-            <a:extLst>
-              <a:ext uri="{FF2B5EF4-FFF2-40B4-BE49-F238E27FC236}">
-                <a16:creationId xmlns:a16="http://schemas.microsoft.com/office/drawing/2014/main" id="{DB8C8155-D7EA-2D49-B264-A290B0641304}"/>
-              </a:ext>
-            </a:extLst>
-          </p:cNvPr>
-          <p:cNvCxnSpPr/>
-          <p:nvPr/>
-        </p:nvCxnSpPr>
-        <p:spPr>
-          <a:xfrm>
-            <a:off x="7076661" y="4664763"/>
-            <a:ext cx="182880" cy="0"/>
-          </a:xfrm>
-          <a:prstGeom prst="line">
-            <a:avLst/>
-          </a:prstGeom>
-          <a:ln>
-            <a:solidFill>
-              <a:schemeClr val="bg1">
-                <a:lumMod val="85000"/>
-              </a:schemeClr>
-            </a:solidFill>
-          </a:ln>
-        </p:spPr>
-        <p:style>
-          <a:lnRef idx="1">
-            <a:schemeClr val="accent1"/>
-          </a:lnRef>
-          <a:fillRef idx="0">
-            <a:schemeClr val="accent1"/>
-          </a:fillRef>
-          <a:effectRef idx="0">
-            <a:schemeClr val="accent1"/>
-          </a:effectRef>
-          <a:fontRef idx="minor">
-            <a:schemeClr val="tx1"/>
-          </a:fontRef>
-        </p:style>
-      </p:cxnSp>
-      <p:sp>
-        <p:nvSpPr>
-          <p:cNvPr id="12" name="TextBox 11">
-            <a:extLst>
-              <a:ext uri="{FF2B5EF4-FFF2-40B4-BE49-F238E27FC236}">
-                <a16:creationId xmlns:a16="http://schemas.microsoft.com/office/drawing/2014/main" id="{A624494A-39FE-6544-9954-FBC7A0323E1A}"/>
-              </a:ext>
-            </a:extLst>
-          </p:cNvPr>
-          <p:cNvSpPr txBox="1"/>
-          <p:nvPr/>
-        </p:nvSpPr>
-        <p:spPr>
-          <a:xfrm>
-            <a:off x="313749" y="4017133"/>
-            <a:ext cx="8618216" cy="369332"/>
-          </a:xfrm>
-          <a:prstGeom prst="rect">
-            <a:avLst/>
-          </a:prstGeom>
-          <a:solidFill>
-            <a:schemeClr val="accent6"/>
-          </a:solidFill>
-        </p:spPr>
-        <p:txBody>
-          <a:bodyPr wrap="square" rtlCol="0">
-            <a:spAutoFit/>
-          </a:bodyPr>
-          <a:lstStyle/>
-          <a:p>
-            <a:pPr algn="ctr"/>
-            <a:r>
-              <a:rPr lang="en-US" dirty="0" err="1">
-                <a:solidFill>
-                  <a:schemeClr val="bg1"/>
-                </a:solidFill>
-              </a:rPr>
-              <a:t>Qdap’s</a:t>
-            </a:r>
-            <a:r>
-              <a:rPr lang="en-US" dirty="0">
-                <a:solidFill>
-                  <a:schemeClr val="bg1"/>
-                </a:solidFill>
-              </a:rPr>
-              <a:t> polarity function calculates -0.409 for “Starboy” lyrics.</a:t>
-            </a:r>
-          </a:p>
-        </p:txBody>
-      </p:sp>
-    </p:spTree>
-    <p:extLst>
-      <p:ext uri="{BB962C8B-B14F-4D97-AF65-F5344CB8AC3E}">
-        <p14:creationId xmlns:p14="http://schemas.microsoft.com/office/powerpoint/2010/main" val="3612781249"/>
-      </p:ext>
-    </p:extLst>
-  </p:cSld>
-  <p:clrMapOvr>
-    <a:masterClrMapping/>
-  </p:clrMapOvr>
-</p:sld>
-</file>
-
-<file path=ppt/slides/slide14.xml><?xml version="1.0" encoding="utf-8"?>
-<p:sld xmlns:a="http://schemas.openxmlformats.org/drawingml/2006/main" xmlns:r="http://schemas.openxmlformats.org/officeDocument/2006/relationships" xmlns:p="http://schemas.openxmlformats.org/presentationml/2006/main">
-  <p:cSld>
-    <p:spTree>
-      <p:nvGrpSpPr>
-        <p:cNvPr id="1" name=""/>
-        <p:cNvGrpSpPr/>
-        <p:nvPr/>
-      </p:nvGrpSpPr>
-      <p:grpSpPr>
-        <a:xfrm>
-          <a:off x="0" y="0"/>
-          <a:ext cx="0" cy="0"/>
-          <a:chOff x="0" y="0"/>
-          <a:chExt cx="0" cy="0"/>
-        </a:xfrm>
-      </p:grpSpPr>
-      <p:sp>
-        <p:nvSpPr>
-          <p:cNvPr id="2" name="Date Placeholder 1"/>
-          <p:cNvSpPr>
-            <a:spLocks noGrp="1"/>
-          </p:cNvSpPr>
-          <p:nvPr>
-            <p:ph type="dt" sz="half" idx="10"/>
-          </p:nvPr>
-        </p:nvSpPr>
-        <p:spPr/>
-        <p:txBody>
-          <a:bodyPr/>
-          <a:lstStyle/>
-          <a:p>
-            <a:fld id="{6700A58B-DD98-43D0-B791-721480A02982}" type="datetime1">
-              <a:rPr lang="en-US" smtClean="0"/>
-              <a:t>2/21/21</a:t>
-            </a:fld>
-            <a:endParaRPr lang="en-US"/>
-          </a:p>
-        </p:txBody>
-      </p:sp>
-      <p:sp>
-        <p:nvSpPr>
-          <p:cNvPr id="3" name="Title 2"/>
-          <p:cNvSpPr>
-            <a:spLocks noGrp="1"/>
-          </p:cNvSpPr>
-          <p:nvPr>
-            <p:ph type="title"/>
-          </p:nvPr>
-        </p:nvSpPr>
-        <p:spPr/>
-        <p:txBody>
-          <a:bodyPr/>
-          <a:lstStyle/>
-          <a:p>
-            <a:r>
-              <a:rPr lang="en-US" dirty="0"/>
-              <a:t>Similar polarity scores in both methods</a:t>
-            </a:r>
-          </a:p>
-        </p:txBody>
-      </p:sp>
-      <p:sp>
-        <p:nvSpPr>
-          <p:cNvPr id="4" name="Footer Placeholder 3"/>
-          <p:cNvSpPr>
-            <a:spLocks noGrp="1"/>
-          </p:cNvSpPr>
-          <p:nvPr>
-            <p:ph type="ftr" sz="quarter" idx="3"/>
-          </p:nvPr>
-        </p:nvSpPr>
-        <p:spPr/>
-        <p:txBody>
-          <a:bodyPr/>
-          <a:lstStyle/>
-          <a:p>
-            <a:r>
-              <a:rPr lang="en-US"/>
-              <a:t>Kwartler</a:t>
-            </a:r>
-            <a:endParaRPr lang="en-US" dirty="0"/>
-          </a:p>
-        </p:txBody>
-      </p:sp>
-      <p:sp>
-        <p:nvSpPr>
-          <p:cNvPr id="5" name="Slide Number Placeholder 4"/>
-          <p:cNvSpPr>
-            <a:spLocks noGrp="1"/>
-          </p:cNvSpPr>
-          <p:nvPr>
-            <p:ph type="sldNum" sz="quarter" idx="4"/>
-          </p:nvPr>
-        </p:nvSpPr>
-        <p:spPr/>
-        <p:txBody>
-          <a:bodyPr/>
-          <a:lstStyle/>
-          <a:p>
-            <a:fld id="{37290FF7-652B-4475-AEAB-8B1A5D23AE09}" type="slidenum">
-              <a:rPr lang="en-US" smtClean="0"/>
-              <a:pPr/>
-              <a:t>14</a:t>
-            </a:fld>
-            <a:endParaRPr lang="en-US" dirty="0"/>
-          </a:p>
-        </p:txBody>
-      </p:sp>
-      <p:sp>
-        <p:nvSpPr>
-          <p:cNvPr id="6" name="TextBox 5">
-            <a:extLst>
-              <a:ext uri="{FF2B5EF4-FFF2-40B4-BE49-F238E27FC236}">
-                <a16:creationId xmlns:a16="http://schemas.microsoft.com/office/drawing/2014/main" id="{268FCA32-C8B6-4FA7-B7DA-F90DB22635EA}"/>
-              </a:ext>
-            </a:extLst>
-          </p:cNvPr>
-          <p:cNvSpPr txBox="1"/>
-          <p:nvPr/>
-        </p:nvSpPr>
-        <p:spPr>
-          <a:xfrm>
-            <a:off x="313749" y="4017133"/>
-            <a:ext cx="8618216" cy="369332"/>
-          </a:xfrm>
-          <a:prstGeom prst="rect">
-            <a:avLst/>
-          </a:prstGeom>
-          <a:solidFill>
-            <a:schemeClr val="accent6"/>
-          </a:solidFill>
-        </p:spPr>
-        <p:txBody>
-          <a:bodyPr wrap="square" rtlCol="0">
-            <a:spAutoFit/>
-          </a:bodyPr>
-          <a:lstStyle/>
-          <a:p>
-            <a:pPr algn="ctr"/>
-            <a:r>
-              <a:rPr lang="en-US" dirty="0">
-                <a:solidFill>
-                  <a:schemeClr val="bg1"/>
-                </a:solidFill>
-              </a:rPr>
-              <a:t>Although less sophisticated &amp; the scale is different, </a:t>
-            </a:r>
-            <a:r>
-              <a:rPr lang="en-US" dirty="0" err="1">
-                <a:solidFill>
-                  <a:schemeClr val="bg1"/>
-                </a:solidFill>
-              </a:rPr>
-              <a:t>tidytext’s</a:t>
-            </a:r>
-            <a:r>
-              <a:rPr lang="en-US" dirty="0">
-                <a:solidFill>
-                  <a:schemeClr val="bg1"/>
-                </a:solidFill>
-              </a:rPr>
-              <a:t> polarity is still negative</a:t>
-            </a:r>
-          </a:p>
-        </p:txBody>
-      </p:sp>
-      <p:grpSp>
-        <p:nvGrpSpPr>
-          <p:cNvPr id="7" name="Group 6">
-            <a:extLst>
-              <a:ext uri="{FF2B5EF4-FFF2-40B4-BE49-F238E27FC236}">
-                <a16:creationId xmlns:a16="http://schemas.microsoft.com/office/drawing/2014/main" id="{D9E1D93B-5DEF-4069-A479-850112C02ECF}"/>
-              </a:ext>
-            </a:extLst>
-          </p:cNvPr>
-          <p:cNvGrpSpPr/>
-          <p:nvPr/>
-        </p:nvGrpSpPr>
-        <p:grpSpPr>
-          <a:xfrm>
-            <a:off x="218053" y="1838205"/>
-            <a:ext cx="2662220" cy="976313"/>
-            <a:chOff x="5354294" y="4344537"/>
-            <a:chExt cx="2662220" cy="976313"/>
-          </a:xfrm>
-        </p:grpSpPr>
-        <p:grpSp>
-          <p:nvGrpSpPr>
-            <p:cNvPr id="8" name="Group 7">
-              <a:extLst>
-                <a:ext uri="{FF2B5EF4-FFF2-40B4-BE49-F238E27FC236}">
-                  <a16:creationId xmlns:a16="http://schemas.microsoft.com/office/drawing/2014/main" id="{F6EB556A-E9DF-47A6-8488-C1D863097681}"/>
-                </a:ext>
-              </a:extLst>
-            </p:cNvPr>
-            <p:cNvGrpSpPr/>
-            <p:nvPr/>
-          </p:nvGrpSpPr>
-          <p:grpSpPr>
-            <a:xfrm>
-              <a:off x="6017688" y="4344537"/>
-              <a:ext cx="1467580" cy="976313"/>
-              <a:chOff x="6515101" y="2824163"/>
-              <a:chExt cx="1123950" cy="747712"/>
-            </a:xfrm>
-          </p:grpSpPr>
-          <p:sp>
-            <p:nvSpPr>
-              <p:cNvPr id="11" name="Freeform 11">
-                <a:extLst>
-                  <a:ext uri="{FF2B5EF4-FFF2-40B4-BE49-F238E27FC236}">
-                    <a16:creationId xmlns:a16="http://schemas.microsoft.com/office/drawing/2014/main" id="{996DC74D-BE35-4BC3-B966-33FBB2EDC2B6}"/>
-                  </a:ext>
-                </a:extLst>
-              </p:cNvPr>
-              <p:cNvSpPr/>
-              <p:nvPr/>
-            </p:nvSpPr>
-            <p:spPr>
-              <a:xfrm>
-                <a:off x="6896101" y="2880653"/>
-                <a:ext cx="361950" cy="634732"/>
-              </a:xfrm>
-              <a:custGeom>
-                <a:avLst/>
-                <a:gdLst>
-                  <a:gd name="connsiteX0" fmla="*/ 176588 w 361950"/>
-                  <a:gd name="connsiteY0" fmla="*/ 0 h 634732"/>
-                  <a:gd name="connsiteX1" fmla="*/ 198170 w 361950"/>
-                  <a:gd name="connsiteY1" fmla="*/ 11714 h 634732"/>
-                  <a:gd name="connsiteX2" fmla="*/ 361950 w 361950"/>
-                  <a:gd name="connsiteY2" fmla="*/ 319747 h 634732"/>
-                  <a:gd name="connsiteX3" fmla="*/ 198170 w 361950"/>
-                  <a:gd name="connsiteY3" fmla="*/ 627780 h 634732"/>
-                  <a:gd name="connsiteX4" fmla="*/ 185362 w 361950"/>
-                  <a:gd name="connsiteY4" fmla="*/ 634732 h 634732"/>
-                  <a:gd name="connsiteX5" fmla="*/ 163780 w 361950"/>
-                  <a:gd name="connsiteY5" fmla="*/ 623018 h 634732"/>
-                  <a:gd name="connsiteX6" fmla="*/ 0 w 361950"/>
-                  <a:gd name="connsiteY6" fmla="*/ 314985 h 634732"/>
-                  <a:gd name="connsiteX7" fmla="*/ 163780 w 361950"/>
-                  <a:gd name="connsiteY7" fmla="*/ 6952 h 634732"/>
-                  <a:gd name="connsiteX8" fmla="*/ 176588 w 361950"/>
-                  <a:gd name="connsiteY8" fmla="*/ 0 h 634732"/>
-                </a:gdLst>
-                <a:ahLst/>
-                <a:cxnLst>
-                  <a:cxn ang="0">
-                    <a:pos x="connsiteX0" y="connsiteY0"/>
-                  </a:cxn>
-                  <a:cxn ang="0">
-                    <a:pos x="connsiteX1" y="connsiteY1"/>
-                  </a:cxn>
-                  <a:cxn ang="0">
-                    <a:pos x="connsiteX2" y="connsiteY2"/>
-                  </a:cxn>
-                  <a:cxn ang="0">
-                    <a:pos x="connsiteX3" y="connsiteY3"/>
-                  </a:cxn>
-                  <a:cxn ang="0">
-                    <a:pos x="connsiteX4" y="connsiteY4"/>
-                  </a:cxn>
-                  <a:cxn ang="0">
-                    <a:pos x="connsiteX5" y="connsiteY5"/>
-                  </a:cxn>
-                  <a:cxn ang="0">
-                    <a:pos x="connsiteX6" y="connsiteY6"/>
-                  </a:cxn>
-                  <a:cxn ang="0">
-                    <a:pos x="connsiteX7" y="connsiteY7"/>
-                  </a:cxn>
-                  <a:cxn ang="0">
-                    <a:pos x="connsiteX8" y="connsiteY8"/>
-                  </a:cxn>
-                </a:cxnLst>
-                <a:rect l="l" t="t" r="r" b="b"/>
-                <a:pathLst>
-                  <a:path w="361950" h="634732">
-                    <a:moveTo>
-                      <a:pt x="176588" y="0"/>
-                    </a:moveTo>
-                    <a:lnTo>
-                      <a:pt x="198170" y="11714"/>
-                    </a:lnTo>
-                    <a:cubicBezTo>
-                      <a:pt x="296983" y="78471"/>
-                      <a:pt x="361950" y="191522"/>
-                      <a:pt x="361950" y="319747"/>
-                    </a:cubicBezTo>
-                    <a:cubicBezTo>
-                      <a:pt x="361950" y="447972"/>
-                      <a:pt x="296983" y="561023"/>
-                      <a:pt x="198170" y="627780"/>
-                    </a:cubicBezTo>
-                    <a:lnTo>
-                      <a:pt x="185362" y="634732"/>
-                    </a:lnTo>
-                    <a:lnTo>
-                      <a:pt x="163780" y="623018"/>
-                    </a:lnTo>
-                    <a:cubicBezTo>
-                      <a:pt x="64967" y="556261"/>
-                      <a:pt x="0" y="443210"/>
-                      <a:pt x="0" y="314985"/>
-                    </a:cubicBezTo>
-                    <a:cubicBezTo>
-                      <a:pt x="0" y="186760"/>
-                      <a:pt x="64967" y="73709"/>
-                      <a:pt x="163780" y="6952"/>
-                    </a:cubicBezTo>
-                    <a:lnTo>
-                      <a:pt x="176588" y="0"/>
-                    </a:lnTo>
-                    <a:close/>
-                  </a:path>
-                </a:pathLst>
-              </a:custGeom>
-            </p:spPr>
-            <p:style>
-              <a:lnRef idx="2">
-                <a:schemeClr val="accent1">
-                  <a:shade val="50000"/>
-                </a:schemeClr>
-              </a:lnRef>
-              <a:fillRef idx="1">
-                <a:schemeClr val="accent1"/>
-              </a:fillRef>
-              <a:effectRef idx="0">
-                <a:schemeClr val="accent1"/>
-              </a:effectRef>
-              <a:fontRef idx="minor">
-                <a:schemeClr val="lt1"/>
-              </a:fontRef>
-            </p:style>
-            <p:txBody>
-              <a:bodyPr wrap="square" rtlCol="0" anchor="ctr">
-                <a:noAutofit/>
-              </a:bodyPr>
-              <a:lstStyle/>
-              <a:p>
-                <a:pPr algn="ctr" defTabSz="457200"/>
-                <a:endParaRPr lang="en-US" sz="1800" kern="1200" dirty="0">
-                  <a:solidFill>
-                    <a:prstClr val="white"/>
-                  </a:solidFill>
-                  <a:latin typeface="Arial Unicode MS" panose="020B0604020202020204" pitchFamily="34" charset="-128"/>
-                </a:endParaRPr>
-              </a:p>
-            </p:txBody>
-          </p:sp>
-          <p:sp>
-            <p:nvSpPr>
-              <p:cNvPr id="12" name="Freeform 12">
-                <a:extLst>
-                  <a:ext uri="{FF2B5EF4-FFF2-40B4-BE49-F238E27FC236}">
-                    <a16:creationId xmlns:a16="http://schemas.microsoft.com/office/drawing/2014/main" id="{23C94B65-5290-47BA-9DCD-6395FC27C6EB}"/>
-                  </a:ext>
-                </a:extLst>
-              </p:cNvPr>
-              <p:cNvSpPr/>
-              <p:nvPr/>
-            </p:nvSpPr>
-            <p:spPr>
-              <a:xfrm>
-                <a:off x="7072689" y="2824163"/>
-                <a:ext cx="566362" cy="742950"/>
-              </a:xfrm>
-              <a:custGeom>
-                <a:avLst/>
-                <a:gdLst>
-                  <a:gd name="connsiteX0" fmla="*/ 194887 w 566362"/>
-                  <a:gd name="connsiteY0" fmla="*/ 0 h 742950"/>
-                  <a:gd name="connsiteX1" fmla="*/ 566362 w 566362"/>
-                  <a:gd name="connsiteY1" fmla="*/ 371475 h 742950"/>
-                  <a:gd name="connsiteX2" fmla="*/ 194887 w 566362"/>
-                  <a:gd name="connsiteY2" fmla="*/ 742950 h 742950"/>
-                  <a:gd name="connsiteX3" fmla="*/ 50292 w 566362"/>
-                  <a:gd name="connsiteY3" fmla="*/ 713758 h 742950"/>
-                  <a:gd name="connsiteX4" fmla="*/ 8774 w 566362"/>
-                  <a:gd name="connsiteY4" fmla="*/ 691222 h 742950"/>
-                  <a:gd name="connsiteX5" fmla="*/ 21582 w 566362"/>
-                  <a:gd name="connsiteY5" fmla="*/ 684270 h 742950"/>
-                  <a:gd name="connsiteX6" fmla="*/ 185362 w 566362"/>
-                  <a:gd name="connsiteY6" fmla="*/ 376237 h 742950"/>
-                  <a:gd name="connsiteX7" fmla="*/ 21582 w 566362"/>
-                  <a:gd name="connsiteY7" fmla="*/ 68204 h 742950"/>
-                  <a:gd name="connsiteX8" fmla="*/ 0 w 566362"/>
-                  <a:gd name="connsiteY8" fmla="*/ 56490 h 742950"/>
-                  <a:gd name="connsiteX9" fmla="*/ 50292 w 566362"/>
-                  <a:gd name="connsiteY9" fmla="*/ 29192 h 742950"/>
-                  <a:gd name="connsiteX10" fmla="*/ 194887 w 566362"/>
-                  <a:gd name="connsiteY10" fmla="*/ 0 h 742950"/>
-                </a:gdLst>
-                <a:ahLst/>
-                <a:cxnLst>
-                  <a:cxn ang="0">
-                    <a:pos x="connsiteX0" y="connsiteY0"/>
-                  </a:cxn>
-                  <a:cxn ang="0">
-                    <a:pos x="connsiteX1" y="connsiteY1"/>
-                  </a:cxn>
-                  <a:cxn ang="0">
-                    <a:pos x="connsiteX2" y="connsiteY2"/>
-                  </a:cxn>
-                  <a:cxn ang="0">
-                    <a:pos x="connsiteX3" y="connsiteY3"/>
-                  </a:cxn>
-                  <a:cxn ang="0">
-                    <a:pos x="connsiteX4" y="connsiteY4"/>
-                  </a:cxn>
-                  <a:cxn ang="0">
-                    <a:pos x="connsiteX5" y="connsiteY5"/>
-                  </a:cxn>
-                  <a:cxn ang="0">
-                    <a:pos x="connsiteX6" y="connsiteY6"/>
-                  </a:cxn>
-                  <a:cxn ang="0">
-                    <a:pos x="connsiteX7" y="connsiteY7"/>
-                  </a:cxn>
-                  <a:cxn ang="0">
-                    <a:pos x="connsiteX8" y="connsiteY8"/>
-                  </a:cxn>
-                  <a:cxn ang="0">
-                    <a:pos x="connsiteX9" y="connsiteY9"/>
-                  </a:cxn>
-                  <a:cxn ang="0">
-                    <a:pos x="connsiteX10" y="connsiteY10"/>
-                  </a:cxn>
-                </a:cxnLst>
-                <a:rect l="l" t="t" r="r" b="b"/>
-                <a:pathLst>
-                  <a:path w="566362" h="742950">
-                    <a:moveTo>
-                      <a:pt x="194887" y="0"/>
-                    </a:moveTo>
-                    <a:cubicBezTo>
-                      <a:pt x="400047" y="0"/>
-                      <a:pt x="566362" y="166315"/>
-                      <a:pt x="566362" y="371475"/>
-                    </a:cubicBezTo>
-                    <a:cubicBezTo>
-                      <a:pt x="566362" y="576635"/>
-                      <a:pt x="400047" y="742950"/>
-                      <a:pt x="194887" y="742950"/>
-                    </a:cubicBezTo>
-                    <a:cubicBezTo>
-                      <a:pt x="143597" y="742950"/>
-                      <a:pt x="94735" y="732555"/>
-                      <a:pt x="50292" y="713758"/>
-                    </a:cubicBezTo>
-                    <a:lnTo>
-                      <a:pt x="8774" y="691222"/>
-                    </a:lnTo>
-                    <a:lnTo>
-                      <a:pt x="21582" y="684270"/>
-                    </a:lnTo>
-                    <a:cubicBezTo>
-                      <a:pt x="120395" y="617513"/>
-                      <a:pt x="185362" y="504462"/>
-                      <a:pt x="185362" y="376237"/>
-                    </a:cubicBezTo>
-                    <a:cubicBezTo>
-                      <a:pt x="185362" y="248012"/>
-                      <a:pt x="120395" y="134961"/>
-                      <a:pt x="21582" y="68204"/>
-                    </a:cubicBezTo>
-                    <a:lnTo>
-                      <a:pt x="0" y="56490"/>
-                    </a:lnTo>
-                    <a:lnTo>
-                      <a:pt x="50292" y="29192"/>
-                    </a:lnTo>
-                    <a:cubicBezTo>
-                      <a:pt x="94735" y="10395"/>
-                      <a:pt x="143597" y="0"/>
-                      <a:pt x="194887" y="0"/>
-                    </a:cubicBezTo>
-                    <a:close/>
-                  </a:path>
-                </a:pathLst>
-              </a:custGeom>
-              <a:noFill/>
-            </p:spPr>
-            <p:style>
-              <a:lnRef idx="2">
-                <a:schemeClr val="accent1">
-                  <a:shade val="50000"/>
-                </a:schemeClr>
-              </a:lnRef>
-              <a:fillRef idx="1">
-                <a:schemeClr val="accent1"/>
-              </a:fillRef>
-              <a:effectRef idx="0">
-                <a:schemeClr val="accent1"/>
-              </a:effectRef>
-              <a:fontRef idx="minor">
-                <a:schemeClr val="lt1"/>
-              </a:fontRef>
-            </p:style>
-            <p:txBody>
-              <a:bodyPr wrap="square" rtlCol="0" anchor="ctr">
-                <a:noAutofit/>
-              </a:bodyPr>
-              <a:lstStyle/>
-              <a:p>
-                <a:pPr algn="ctr" defTabSz="457200"/>
-                <a:endParaRPr lang="en-US" sz="1800" kern="1200" dirty="0">
-                  <a:solidFill>
-                    <a:prstClr val="white"/>
-                  </a:solidFill>
-                  <a:latin typeface="Arial Unicode MS" panose="020B0604020202020204" pitchFamily="34" charset="-128"/>
-                </a:endParaRPr>
-              </a:p>
-            </p:txBody>
-          </p:sp>
-          <p:sp>
-            <p:nvSpPr>
-              <p:cNvPr id="13" name="Freeform 13">
-                <a:extLst>
-                  <a:ext uri="{FF2B5EF4-FFF2-40B4-BE49-F238E27FC236}">
-                    <a16:creationId xmlns:a16="http://schemas.microsoft.com/office/drawing/2014/main" id="{FA43250D-2174-49FD-9487-DC304C936928}"/>
-                  </a:ext>
-                </a:extLst>
-              </p:cNvPr>
-              <p:cNvSpPr/>
-              <p:nvPr/>
-            </p:nvSpPr>
-            <p:spPr>
-              <a:xfrm>
-                <a:off x="6515101" y="2828925"/>
-                <a:ext cx="566362" cy="742950"/>
-              </a:xfrm>
-              <a:custGeom>
-                <a:avLst/>
-                <a:gdLst>
-                  <a:gd name="connsiteX0" fmla="*/ 371475 w 566362"/>
-                  <a:gd name="connsiteY0" fmla="*/ 0 h 742950"/>
-                  <a:gd name="connsiteX1" fmla="*/ 516070 w 566362"/>
-                  <a:gd name="connsiteY1" fmla="*/ 29192 h 742950"/>
-                  <a:gd name="connsiteX2" fmla="*/ 557588 w 566362"/>
-                  <a:gd name="connsiteY2" fmla="*/ 51728 h 742950"/>
-                  <a:gd name="connsiteX3" fmla="*/ 544780 w 566362"/>
-                  <a:gd name="connsiteY3" fmla="*/ 58680 h 742950"/>
-                  <a:gd name="connsiteX4" fmla="*/ 381000 w 566362"/>
-                  <a:gd name="connsiteY4" fmla="*/ 366713 h 742950"/>
-                  <a:gd name="connsiteX5" fmla="*/ 544780 w 566362"/>
-                  <a:gd name="connsiteY5" fmla="*/ 674746 h 742950"/>
-                  <a:gd name="connsiteX6" fmla="*/ 566362 w 566362"/>
-                  <a:gd name="connsiteY6" fmla="*/ 686460 h 742950"/>
-                  <a:gd name="connsiteX7" fmla="*/ 516070 w 566362"/>
-                  <a:gd name="connsiteY7" fmla="*/ 713758 h 742950"/>
-                  <a:gd name="connsiteX8" fmla="*/ 371475 w 566362"/>
-                  <a:gd name="connsiteY8" fmla="*/ 742950 h 742950"/>
-                  <a:gd name="connsiteX9" fmla="*/ 0 w 566362"/>
-                  <a:gd name="connsiteY9" fmla="*/ 371475 h 742950"/>
-                  <a:gd name="connsiteX10" fmla="*/ 371475 w 566362"/>
-                  <a:gd name="connsiteY10" fmla="*/ 0 h 742950"/>
-                </a:gdLst>
-                <a:ahLst/>
-                <a:cxnLst>
-                  <a:cxn ang="0">
-                    <a:pos x="connsiteX0" y="connsiteY0"/>
-                  </a:cxn>
-                  <a:cxn ang="0">
-                    <a:pos x="connsiteX1" y="connsiteY1"/>
-                  </a:cxn>
-                  <a:cxn ang="0">
-                    <a:pos x="connsiteX2" y="connsiteY2"/>
-                  </a:cxn>
-                  <a:cxn ang="0">
-                    <a:pos x="connsiteX3" y="connsiteY3"/>
-                  </a:cxn>
-                  <a:cxn ang="0">
-                    <a:pos x="connsiteX4" y="connsiteY4"/>
-                  </a:cxn>
-                  <a:cxn ang="0">
-                    <a:pos x="connsiteX5" y="connsiteY5"/>
-                  </a:cxn>
-                  <a:cxn ang="0">
-                    <a:pos x="connsiteX6" y="connsiteY6"/>
-                  </a:cxn>
-                  <a:cxn ang="0">
-                    <a:pos x="connsiteX7" y="connsiteY7"/>
-                  </a:cxn>
-                  <a:cxn ang="0">
-                    <a:pos x="connsiteX8" y="connsiteY8"/>
-                  </a:cxn>
-                  <a:cxn ang="0">
-                    <a:pos x="connsiteX9" y="connsiteY9"/>
-                  </a:cxn>
-                  <a:cxn ang="0">
-                    <a:pos x="connsiteX10" y="connsiteY10"/>
-                  </a:cxn>
-                </a:cxnLst>
-                <a:rect l="l" t="t" r="r" b="b"/>
-                <a:pathLst>
-                  <a:path w="566362" h="742950">
-                    <a:moveTo>
-                      <a:pt x="371475" y="0"/>
-                    </a:moveTo>
-                    <a:cubicBezTo>
-                      <a:pt x="422765" y="0"/>
-                      <a:pt x="471627" y="10395"/>
-                      <a:pt x="516070" y="29192"/>
-                    </a:cubicBezTo>
-                    <a:lnTo>
-                      <a:pt x="557588" y="51728"/>
-                    </a:lnTo>
-                    <a:lnTo>
-                      <a:pt x="544780" y="58680"/>
-                    </a:lnTo>
-                    <a:cubicBezTo>
-                      <a:pt x="445967" y="125437"/>
-                      <a:pt x="381000" y="238488"/>
-                      <a:pt x="381000" y="366713"/>
-                    </a:cubicBezTo>
-                    <a:cubicBezTo>
-                      <a:pt x="381000" y="494938"/>
-                      <a:pt x="445967" y="607989"/>
-                      <a:pt x="544780" y="674746"/>
-                    </a:cubicBezTo>
-                    <a:lnTo>
-                      <a:pt x="566362" y="686460"/>
-                    </a:lnTo>
-                    <a:lnTo>
-                      <a:pt x="516070" y="713758"/>
-                    </a:lnTo>
-                    <a:cubicBezTo>
-                      <a:pt x="471627" y="732555"/>
-                      <a:pt x="422765" y="742950"/>
-                      <a:pt x="371475" y="742950"/>
-                    </a:cubicBezTo>
-                    <a:cubicBezTo>
-                      <a:pt x="166315" y="742950"/>
-                      <a:pt x="0" y="576635"/>
-                      <a:pt x="0" y="371475"/>
-                    </a:cubicBezTo>
-                    <a:cubicBezTo>
-                      <a:pt x="0" y="166315"/>
-                      <a:pt x="166315" y="0"/>
-                      <a:pt x="371475" y="0"/>
-                    </a:cubicBezTo>
-                    <a:close/>
-                  </a:path>
-                </a:pathLst>
-              </a:custGeom>
-              <a:noFill/>
-            </p:spPr>
-            <p:style>
-              <a:lnRef idx="2">
-                <a:schemeClr val="accent1">
-                  <a:shade val="50000"/>
-                </a:schemeClr>
-              </a:lnRef>
-              <a:fillRef idx="1">
-                <a:schemeClr val="accent1"/>
-              </a:fillRef>
-              <a:effectRef idx="0">
-                <a:schemeClr val="accent1"/>
-              </a:effectRef>
-              <a:fontRef idx="minor">
-                <a:schemeClr val="lt1"/>
-              </a:fontRef>
-            </p:style>
-            <p:txBody>
-              <a:bodyPr wrap="square" rtlCol="0" anchor="ctr">
-                <a:noAutofit/>
-              </a:bodyPr>
-              <a:lstStyle/>
-              <a:p>
-                <a:pPr algn="ctr" defTabSz="457200"/>
-                <a:endParaRPr lang="en-US" sz="1800" kern="1200" dirty="0">
-                  <a:solidFill>
-                    <a:prstClr val="white"/>
-                  </a:solidFill>
-                  <a:latin typeface="Arial Unicode MS" panose="020B0604020202020204" pitchFamily="34" charset="-128"/>
-                </a:endParaRPr>
-              </a:p>
-            </p:txBody>
-          </p:sp>
-        </p:grpSp>
-        <p:sp>
-          <p:nvSpPr>
-            <p:cNvPr id="9" name="TextBox 8">
-              <a:extLst>
-                <a:ext uri="{FF2B5EF4-FFF2-40B4-BE49-F238E27FC236}">
-                  <a16:creationId xmlns:a16="http://schemas.microsoft.com/office/drawing/2014/main" id="{22186487-F7EC-4D4A-8376-794B2991155B}"/>
-                </a:ext>
-              </a:extLst>
-            </p:cNvPr>
-            <p:cNvSpPr txBox="1"/>
-            <p:nvPr/>
-          </p:nvSpPr>
-          <p:spPr>
-            <a:xfrm>
-              <a:off x="5354294" y="4678805"/>
-              <a:ext cx="1229119" cy="307777"/>
-            </a:xfrm>
-            <a:prstGeom prst="rect">
-              <a:avLst/>
-            </a:prstGeom>
-            <a:noFill/>
-          </p:spPr>
-          <p:txBody>
-            <a:bodyPr wrap="none" rtlCol="0">
-              <a:spAutoFit/>
-            </a:bodyPr>
-            <a:lstStyle/>
-            <a:p>
-              <a:r>
-                <a:rPr lang="en-US" sz="1400" dirty="0" err="1"/>
-                <a:t>Weeknd</a:t>
-              </a:r>
-              <a:r>
-                <a:rPr lang="en-US" sz="1400" dirty="0"/>
-                <a:t> Lyrics</a:t>
-              </a:r>
-            </a:p>
-          </p:txBody>
-        </p:sp>
-        <p:sp>
-          <p:nvSpPr>
-            <p:cNvPr id="10" name="TextBox 9">
-              <a:extLst>
-                <a:ext uri="{FF2B5EF4-FFF2-40B4-BE49-F238E27FC236}">
-                  <a16:creationId xmlns:a16="http://schemas.microsoft.com/office/drawing/2014/main" id="{072DF590-AD4F-4526-951E-1F7A2A383A62}"/>
-                </a:ext>
-              </a:extLst>
-            </p:cNvPr>
-            <p:cNvSpPr txBox="1"/>
-            <p:nvPr/>
-          </p:nvSpPr>
-          <p:spPr>
-            <a:xfrm>
-              <a:off x="6927113" y="4678805"/>
-              <a:ext cx="1089401" cy="307777"/>
-            </a:xfrm>
-            <a:prstGeom prst="rect">
-              <a:avLst/>
-            </a:prstGeom>
-            <a:noFill/>
-          </p:spPr>
-          <p:txBody>
-            <a:bodyPr wrap="none" rtlCol="0">
-              <a:spAutoFit/>
-            </a:bodyPr>
-            <a:lstStyle/>
-            <a:p>
-              <a:r>
-                <a:rPr lang="en-US" sz="1400" dirty="0"/>
-                <a:t>Bing Lexicon</a:t>
-              </a:r>
-            </a:p>
-          </p:txBody>
-        </p:sp>
-      </p:grpSp>
-      <p:pic>
-        <p:nvPicPr>
-          <p:cNvPr id="17" name="Picture 16">
-            <a:extLst>
-              <a:ext uri="{FF2B5EF4-FFF2-40B4-BE49-F238E27FC236}">
-                <a16:creationId xmlns:a16="http://schemas.microsoft.com/office/drawing/2014/main" id="{DDEF261F-A7C4-4E51-9675-E9A75D3877D3}"/>
-              </a:ext>
-            </a:extLst>
-          </p:cNvPr>
-          <p:cNvPicPr>
-            <a:picLocks noChangeAspect="1"/>
-          </p:cNvPicPr>
-          <p:nvPr/>
-        </p:nvPicPr>
-        <p:blipFill>
-          <a:blip r:embed="rId2"/>
-          <a:stretch>
-            <a:fillRect/>
-          </a:stretch>
-        </p:blipFill>
-        <p:spPr>
-          <a:xfrm>
-            <a:off x="3364141" y="1445821"/>
-            <a:ext cx="4248150" cy="219075"/>
-          </a:xfrm>
-          <a:prstGeom prst="rect">
-            <a:avLst/>
-          </a:prstGeom>
-        </p:spPr>
-      </p:pic>
-      <p:sp>
-        <p:nvSpPr>
-          <p:cNvPr id="18" name="Isosceles Triangle 17">
-            <a:extLst>
-              <a:ext uri="{FF2B5EF4-FFF2-40B4-BE49-F238E27FC236}">
-                <a16:creationId xmlns:a16="http://schemas.microsoft.com/office/drawing/2014/main" id="{70398C9C-C9E4-4D91-A31E-443FE44C8AD5}"/>
-              </a:ext>
-            </a:extLst>
-          </p:cNvPr>
-          <p:cNvSpPr/>
-          <p:nvPr/>
-        </p:nvSpPr>
-        <p:spPr>
-          <a:xfrm rot="5400000">
-            <a:off x="1860603" y="2443726"/>
-            <a:ext cx="2278472" cy="333889"/>
-          </a:xfrm>
-          <a:prstGeom prst="triangle">
-            <a:avLst/>
-          </a:prstGeom>
-          <a:solidFill>
-            <a:schemeClr val="accent2"/>
-          </a:solidFill>
-          <a:ln>
-            <a:noFill/>
-          </a:ln>
-        </p:spPr>
-        <p:style>
-          <a:lnRef idx="2">
-            <a:schemeClr val="accent1">
-              <a:shade val="50000"/>
-            </a:schemeClr>
-          </a:lnRef>
-          <a:fillRef idx="1">
-            <a:schemeClr val="accent1"/>
-          </a:fillRef>
-          <a:effectRef idx="0">
-            <a:schemeClr val="accent1"/>
-          </a:effectRef>
-          <a:fontRef idx="minor">
-            <a:schemeClr val="lt1"/>
-          </a:fontRef>
-        </p:style>
-        <p:txBody>
-          <a:bodyPr rtlCol="0" anchor="ctr"/>
-          <a:lstStyle/>
-          <a:p>
-            <a:pPr algn="ctr"/>
-            <a:endParaRPr lang="en-US"/>
-          </a:p>
-        </p:txBody>
-      </p:sp>
-      <p:pic>
-        <p:nvPicPr>
-          <p:cNvPr id="19" name="Picture 18">
-            <a:extLst>
-              <a:ext uri="{FF2B5EF4-FFF2-40B4-BE49-F238E27FC236}">
-                <a16:creationId xmlns:a16="http://schemas.microsoft.com/office/drawing/2014/main" id="{AE0A48BD-1DEC-402F-B9FE-1C285669805F}"/>
-              </a:ext>
-            </a:extLst>
-          </p:cNvPr>
-          <p:cNvPicPr>
-            <a:picLocks noChangeAspect="1"/>
-          </p:cNvPicPr>
-          <p:nvPr/>
-        </p:nvPicPr>
-        <p:blipFill>
-          <a:blip r:embed="rId3"/>
-          <a:stretch>
-            <a:fillRect/>
-          </a:stretch>
-        </p:blipFill>
-        <p:spPr>
-          <a:xfrm>
-            <a:off x="3364141" y="1867673"/>
-            <a:ext cx="5772150" cy="304800"/>
-          </a:xfrm>
-          <a:prstGeom prst="rect">
-            <a:avLst/>
-          </a:prstGeom>
-        </p:spPr>
-      </p:pic>
-      <p:pic>
-        <p:nvPicPr>
-          <p:cNvPr id="20" name="Picture 19"/>
-          <p:cNvPicPr>
-            <a:picLocks noChangeAspect="1"/>
-          </p:cNvPicPr>
-          <p:nvPr/>
-        </p:nvPicPr>
-        <p:blipFill>
-          <a:blip r:embed="rId4"/>
-          <a:stretch>
-            <a:fillRect/>
-          </a:stretch>
-        </p:blipFill>
-        <p:spPr>
-          <a:xfrm>
-            <a:off x="3366101" y="2389176"/>
-            <a:ext cx="3457514" cy="1072384"/>
-          </a:xfrm>
-          <a:prstGeom prst="rect">
-            <a:avLst/>
-          </a:prstGeom>
-        </p:spPr>
-      </p:pic>
-      <p:cxnSp>
-        <p:nvCxnSpPr>
-          <p:cNvPr id="23" name="Straight Connector 22">
-            <a:extLst>
-              <a:ext uri="{FF2B5EF4-FFF2-40B4-BE49-F238E27FC236}">
-                <a16:creationId xmlns:a16="http://schemas.microsoft.com/office/drawing/2014/main" id="{0CC630E9-D875-9B49-B6EF-45A770BACF4D}"/>
-              </a:ext>
-            </a:extLst>
-          </p:cNvPr>
-          <p:cNvCxnSpPr/>
-          <p:nvPr/>
-        </p:nvCxnSpPr>
-        <p:spPr>
-          <a:xfrm>
-            <a:off x="6798363" y="6549885"/>
-            <a:ext cx="0" cy="182880"/>
-          </a:xfrm>
-          <a:prstGeom prst="line">
-            <a:avLst/>
-          </a:prstGeom>
-          <a:ln>
-            <a:solidFill>
-              <a:schemeClr val="bg1">
-                <a:lumMod val="85000"/>
-              </a:schemeClr>
-            </a:solidFill>
-          </a:ln>
-        </p:spPr>
-        <p:style>
-          <a:lnRef idx="1">
-            <a:schemeClr val="accent1"/>
-          </a:lnRef>
-          <a:fillRef idx="0">
-            <a:schemeClr val="accent1"/>
-          </a:fillRef>
-          <a:effectRef idx="0">
-            <a:schemeClr val="accent1"/>
-          </a:effectRef>
-          <a:fontRef idx="minor">
-            <a:schemeClr val="tx1"/>
-          </a:fontRef>
-        </p:style>
-      </p:cxnSp>
-      <p:cxnSp>
-        <p:nvCxnSpPr>
-          <p:cNvPr id="24" name="Straight Connector 23">
-            <a:extLst>
-              <a:ext uri="{FF2B5EF4-FFF2-40B4-BE49-F238E27FC236}">
-                <a16:creationId xmlns:a16="http://schemas.microsoft.com/office/drawing/2014/main" id="{E8FDED2E-E8E5-D941-94CD-5D0BE3FABA84}"/>
-              </a:ext>
-            </a:extLst>
-          </p:cNvPr>
-          <p:cNvCxnSpPr/>
-          <p:nvPr/>
-        </p:nvCxnSpPr>
-        <p:spPr>
-          <a:xfrm>
-            <a:off x="7076661" y="4664763"/>
-            <a:ext cx="182880" cy="0"/>
-          </a:xfrm>
-          <a:prstGeom prst="line">
-            <a:avLst/>
-          </a:prstGeom>
-          <a:ln>
-            <a:solidFill>
-              <a:schemeClr val="bg1">
-                <a:lumMod val="85000"/>
-              </a:schemeClr>
-            </a:solidFill>
-          </a:ln>
-        </p:spPr>
-        <p:style>
-          <a:lnRef idx="1">
-            <a:schemeClr val="accent1"/>
-          </a:lnRef>
-          <a:fillRef idx="0">
-            <a:schemeClr val="accent1"/>
-          </a:fillRef>
-          <a:effectRef idx="0">
-            <a:schemeClr val="accent1"/>
-          </a:effectRef>
-          <a:fontRef idx="minor">
-            <a:schemeClr val="tx1"/>
-          </a:fontRef>
-        </p:style>
-      </p:cxnSp>
-    </p:spTree>
-    <p:extLst>
-      <p:ext uri="{BB962C8B-B14F-4D97-AF65-F5344CB8AC3E}">
-        <p14:creationId xmlns:p14="http://schemas.microsoft.com/office/powerpoint/2010/main" val="1131905899"/>
-      </p:ext>
-    </p:extLst>
-  </p:cSld>
-  <p:clrMapOvr>
-    <a:masterClrMapping/>
-  </p:clrMapOvr>
-</p:sld>
-</file>
-
 <file path=ppt/slides/slide15.xml><?xml version="1.0" encoding="utf-8"?>
 <p:sld xmlns:a="http://schemas.openxmlformats.org/drawingml/2006/main" xmlns:r="http://schemas.openxmlformats.org/officeDocument/2006/relationships" xmlns:p="http://schemas.openxmlformats.org/presentationml/2006/main">
   <p:cSld>
@@ -10112,7 +10133,7 @@
           <a:p>
             <a:fld id="{6700A58B-DD98-43D0-B791-721480A02982}" type="datetime1">
               <a:rPr lang="en-US" smtClean="0"/>
-              <a:t>2/21/21</a:t>
+              <a:t>2/24/21</a:t>
             </a:fld>
             <a:endParaRPr lang="en-US"/>
           </a:p>
@@ -10426,15 +10447,30 @@
           <a:bodyPr/>
           <a:lstStyle/>
           <a:p>
+            <a:pPr marL="0" indent="0">
+              <a:buNone/>
+            </a:pPr>
             <a:r>
               <a:rPr lang="en-US" dirty="0"/>
-              <a:t>Remove unknown?</a:t>
+              <a:t>Options to deal with Emoji</a:t>
             </a:r>
           </a:p>
           <a:p>
             <a:r>
               <a:rPr lang="en-US" dirty="0"/>
-              <a:t>Substitute for known text</a:t>
+              <a:t>Ignore, odd characters will show up, usually low frequency</a:t>
+            </a:r>
+          </a:p>
+          <a:p>
+            <a:r>
+              <a:rPr lang="en-US" dirty="0"/>
+              <a:t>Remove these unknown characters</a:t>
+            </a:r>
+          </a:p>
+          <a:p>
+            <a:r>
+              <a:rPr lang="en-US" dirty="0"/>
+              <a:t>Substitute for known text that can be analyzed</a:t>
             </a:r>
           </a:p>
           <a:p>
@@ -10442,8 +10478,12 @@
           </a:p>
           <a:p>
             <a:r>
-              <a:rPr lang="en-US"/>
-              <a:t>Open Script</a:t>
+              <a:rPr lang="en-US" dirty="0"/>
+              <a:t>Open </a:t>
+            </a:r>
+            <a:r>
+              <a:rPr lang="en-US" dirty="0" err="1"/>
+              <a:t>D_Dealing_W_Emoji.R</a:t>
             </a:r>
             <a:endParaRPr lang="en-US" dirty="0"/>
           </a:p>
@@ -10472,7 +10512,7 @@
           <a:p>
             <a:fld id="{D753EFC8-4232-4598-94F6-94C0EBAFC469}" type="datetime1">
               <a:rPr lang="en-US" smtClean="0"/>
-              <a:t>2/21/21</a:t>
+              <a:t>2/24/21</a:t>
             </a:fld>
             <a:endParaRPr lang="en-US"/>
           </a:p>
@@ -10537,6 +10577,53 @@
           </a:p>
         </p:txBody>
       </p:sp>
+      <p:pic>
+        <p:nvPicPr>
+          <p:cNvPr id="1028" name="Picture 4" descr="I may not text all the time, but when I do I overuse emojis and write too  much! - MIND BLOWN CAT | Meme Generator">
+            <a:extLst>
+              <a:ext uri="{FF2B5EF4-FFF2-40B4-BE49-F238E27FC236}">
+                <a16:creationId xmlns:a16="http://schemas.microsoft.com/office/drawing/2014/main" id="{559F27A8-50E7-D64A-81E2-13A9C0D77E06}"/>
+              </a:ext>
+            </a:extLst>
+          </p:cNvPr>
+          <p:cNvPicPr>
+            <a:picLocks noChangeAspect="1" noChangeArrowheads="1"/>
+          </p:cNvPicPr>
+          <p:nvPr/>
+        </p:nvPicPr>
+        <p:blipFill>
+          <a:blip r:embed="rId2">
+            <a:extLst>
+              <a:ext uri="{28A0092B-C50C-407E-A947-70E740481C1C}">
+                <a14:useLocalDpi xmlns:a14="http://schemas.microsoft.com/office/drawing/2010/main" val="0"/>
+              </a:ext>
+            </a:extLst>
+          </a:blip>
+          <a:srcRect/>
+          <a:stretch>
+            <a:fillRect/>
+          </a:stretch>
+        </p:blipFill>
+        <p:spPr bwMode="auto">
+          <a:xfrm>
+            <a:off x="4206240" y="2742324"/>
+            <a:ext cx="4163060" cy="2970039"/>
+          </a:xfrm>
+          <a:prstGeom prst="rect">
+            <a:avLst/>
+          </a:prstGeom>
+          <a:noFill/>
+          <a:extLst>
+            <a:ext uri="{909E8E84-426E-40DD-AFC4-6F175D3DCCD1}">
+              <a14:hiddenFill xmlns:a14="http://schemas.microsoft.com/office/drawing/2010/main">
+                <a:solidFill>
+                  <a:srgbClr val="FFFFFF"/>
+                </a:solidFill>
+              </a14:hiddenFill>
+            </a:ext>
+          </a:extLst>
+        </p:spPr>
+      </p:pic>
     </p:spTree>
     <p:extLst>
       <p:ext uri="{BB962C8B-B14F-4D97-AF65-F5344CB8AC3E}">
@@ -10551,6 +10638,589 @@
 </file>
 
 <file path=ppt/slides/slide3.xml><?xml version="1.0" encoding="utf-8"?>
+<p:sld xmlns:a="http://schemas.openxmlformats.org/drawingml/2006/main" xmlns:r="http://schemas.openxmlformats.org/officeDocument/2006/relationships" xmlns:p="http://schemas.openxmlformats.org/presentationml/2006/main">
+  <p:cSld>
+    <p:spTree>
+      <p:nvGrpSpPr>
+        <p:cNvPr id="1" name=""/>
+        <p:cNvGrpSpPr/>
+        <p:nvPr/>
+      </p:nvGrpSpPr>
+      <p:grpSpPr>
+        <a:xfrm>
+          <a:off x="0" y="0"/>
+          <a:ext cx="0" cy="0"/>
+          <a:chOff x="0" y="0"/>
+          <a:chExt cx="0" cy="0"/>
+        </a:xfrm>
+      </p:grpSpPr>
+      <p:sp>
+        <p:nvSpPr>
+          <p:cNvPr id="2" name="Title 1">
+            <a:extLst>
+              <a:ext uri="{FF2B5EF4-FFF2-40B4-BE49-F238E27FC236}">
+                <a16:creationId xmlns:a16="http://schemas.microsoft.com/office/drawing/2014/main" id="{591293B9-3BF9-5842-B5D9-7A69146F92CA}"/>
+              </a:ext>
+            </a:extLst>
+          </p:cNvPr>
+          <p:cNvSpPr>
+            <a:spLocks noGrp="1"/>
+          </p:cNvSpPr>
+          <p:nvPr>
+            <p:ph type="title"/>
+          </p:nvPr>
+        </p:nvSpPr>
+        <p:spPr/>
+        <p:txBody>
+          <a:bodyPr/>
+          <a:lstStyle/>
+          <a:p>
+            <a:r>
+              <a:rPr lang="en-US" dirty="0"/>
+              <a:t>Kind of related…</a:t>
+            </a:r>
+          </a:p>
+        </p:txBody>
+      </p:sp>
+      <p:sp>
+        <p:nvSpPr>
+          <p:cNvPr id="3" name="Content Placeholder 2">
+            <a:extLst>
+              <a:ext uri="{FF2B5EF4-FFF2-40B4-BE49-F238E27FC236}">
+                <a16:creationId xmlns:a16="http://schemas.microsoft.com/office/drawing/2014/main" id="{31CBA323-1457-5941-9324-124E3EEDB62A}"/>
+              </a:ext>
+            </a:extLst>
+          </p:cNvPr>
+          <p:cNvSpPr>
+            <a:spLocks noGrp="1"/>
+          </p:cNvSpPr>
+          <p:nvPr>
+            <p:ph idx="1"/>
+          </p:nvPr>
+        </p:nvSpPr>
+        <p:spPr>
+          <a:xfrm>
+            <a:off x="628650" y="1111347"/>
+            <a:ext cx="7886700" cy="1151793"/>
+          </a:xfrm>
+        </p:spPr>
+        <p:txBody>
+          <a:bodyPr/>
+          <a:lstStyle/>
+          <a:p>
+            <a:r>
+              <a:rPr lang="en-US" dirty="0"/>
+              <a:t>library(politeness)</a:t>
+            </a:r>
+          </a:p>
+          <a:p>
+            <a:pPr lvl="1"/>
+            <a:r>
+              <a:rPr lang="en-US" dirty="0"/>
+              <a:t>Identified “markers” of politeness in text</a:t>
+            </a:r>
+          </a:p>
+          <a:p>
+            <a:pPr lvl="1"/>
+            <a:r>
+              <a:rPr lang="en-US" dirty="0"/>
+              <a:t>Academic Research, may not be broadly applicable</a:t>
+            </a:r>
+          </a:p>
+          <a:p>
+            <a:pPr lvl="1"/>
+            <a:endParaRPr lang="en-US" dirty="0"/>
+          </a:p>
+          <a:p>
+            <a:pPr lvl="1"/>
+            <a:endParaRPr lang="en-US" dirty="0"/>
+          </a:p>
+          <a:p>
+            <a:pPr marL="342900" lvl="1" indent="0">
+              <a:buNone/>
+            </a:pPr>
+            <a:endParaRPr lang="en-US" dirty="0"/>
+          </a:p>
+        </p:txBody>
+      </p:sp>
+      <p:sp>
+        <p:nvSpPr>
+          <p:cNvPr id="4" name="Date Placeholder 3">
+            <a:extLst>
+              <a:ext uri="{FF2B5EF4-FFF2-40B4-BE49-F238E27FC236}">
+                <a16:creationId xmlns:a16="http://schemas.microsoft.com/office/drawing/2014/main" id="{F4DE21D9-C9C5-5F43-BB3A-F782A19B576E}"/>
+              </a:ext>
+            </a:extLst>
+          </p:cNvPr>
+          <p:cNvSpPr>
+            <a:spLocks noGrp="1"/>
+          </p:cNvSpPr>
+          <p:nvPr>
+            <p:ph type="dt" sz="half" idx="10"/>
+          </p:nvPr>
+        </p:nvSpPr>
+        <p:spPr/>
+        <p:txBody>
+          <a:bodyPr/>
+          <a:lstStyle/>
+          <a:p>
+            <a:fld id="{D753EFC8-4232-4598-94F6-94C0EBAFC469}" type="datetime1">
+              <a:rPr lang="en-US" smtClean="0"/>
+              <a:t>2/24/21</a:t>
+            </a:fld>
+            <a:endParaRPr lang="en-US"/>
+          </a:p>
+        </p:txBody>
+      </p:sp>
+      <p:sp>
+        <p:nvSpPr>
+          <p:cNvPr id="5" name="Footer Placeholder 4">
+            <a:extLst>
+              <a:ext uri="{FF2B5EF4-FFF2-40B4-BE49-F238E27FC236}">
+                <a16:creationId xmlns:a16="http://schemas.microsoft.com/office/drawing/2014/main" id="{6C6B3830-0327-6D4B-A124-66FDC27BF1BE}"/>
+              </a:ext>
+            </a:extLst>
+          </p:cNvPr>
+          <p:cNvSpPr>
+            <a:spLocks noGrp="1"/>
+          </p:cNvSpPr>
+          <p:nvPr>
+            <p:ph type="ftr" sz="quarter" idx="3"/>
+          </p:nvPr>
+        </p:nvSpPr>
+        <p:spPr/>
+        <p:txBody>
+          <a:bodyPr/>
+          <a:lstStyle/>
+          <a:p>
+            <a:r>
+              <a:rPr lang="en-US"/>
+              <a:t>Kwartler</a:t>
+            </a:r>
+            <a:endParaRPr lang="en-US" dirty="0"/>
+          </a:p>
+        </p:txBody>
+      </p:sp>
+      <p:sp>
+        <p:nvSpPr>
+          <p:cNvPr id="6" name="Slide Number Placeholder 5">
+            <a:extLst>
+              <a:ext uri="{FF2B5EF4-FFF2-40B4-BE49-F238E27FC236}">
+                <a16:creationId xmlns:a16="http://schemas.microsoft.com/office/drawing/2014/main" id="{5B33E15F-5C48-8348-A184-4BCC9872204B}"/>
+              </a:ext>
+            </a:extLst>
+          </p:cNvPr>
+          <p:cNvSpPr>
+            <a:spLocks noGrp="1"/>
+          </p:cNvSpPr>
+          <p:nvPr>
+            <p:ph type="sldNum" sz="quarter" idx="4"/>
+          </p:nvPr>
+        </p:nvSpPr>
+        <p:spPr/>
+        <p:txBody>
+          <a:bodyPr/>
+          <a:lstStyle/>
+          <a:p>
+            <a:fld id="{37290FF7-652B-4475-AEAB-8B1A5D23AE09}" type="slidenum">
+              <a:rPr lang="en-US" smtClean="0"/>
+              <a:pPr/>
+              <a:t>3</a:t>
+            </a:fld>
+            <a:endParaRPr lang="en-US" dirty="0"/>
+          </a:p>
+        </p:txBody>
+      </p:sp>
+      <p:sp>
+        <p:nvSpPr>
+          <p:cNvPr id="7" name="Left-Right Arrow 6">
+            <a:extLst>
+              <a:ext uri="{FF2B5EF4-FFF2-40B4-BE49-F238E27FC236}">
+                <a16:creationId xmlns:a16="http://schemas.microsoft.com/office/drawing/2014/main" id="{785F5D22-F3FA-3840-81DB-62B14B76AEDE}"/>
+              </a:ext>
+            </a:extLst>
+          </p:cNvPr>
+          <p:cNvSpPr/>
+          <p:nvPr/>
+        </p:nvSpPr>
+        <p:spPr>
+          <a:xfrm>
+            <a:off x="720090" y="3566160"/>
+            <a:ext cx="7292340" cy="777240"/>
+          </a:xfrm>
+          <a:prstGeom prst="leftRightArrow">
+            <a:avLst/>
+          </a:prstGeom>
+          <a:solidFill>
+            <a:schemeClr val="accent2"/>
+          </a:solidFill>
+          <a:ln>
+            <a:noFill/>
+          </a:ln>
+        </p:spPr>
+        <p:style>
+          <a:lnRef idx="2">
+            <a:schemeClr val="accent1">
+              <a:shade val="50000"/>
+            </a:schemeClr>
+          </a:lnRef>
+          <a:fillRef idx="1">
+            <a:schemeClr val="accent1"/>
+          </a:fillRef>
+          <a:effectRef idx="0">
+            <a:schemeClr val="accent1"/>
+          </a:effectRef>
+          <a:fontRef idx="minor">
+            <a:schemeClr val="lt1"/>
+          </a:fontRef>
+        </p:style>
+        <p:txBody>
+          <a:bodyPr rtlCol="0" anchor="ctr"/>
+          <a:lstStyle/>
+          <a:p>
+            <a:pPr algn="ctr"/>
+            <a:endParaRPr lang="en-US"/>
+          </a:p>
+        </p:txBody>
+      </p:sp>
+      <p:sp>
+        <p:nvSpPr>
+          <p:cNvPr id="8" name="TextBox 7">
+            <a:extLst>
+              <a:ext uri="{FF2B5EF4-FFF2-40B4-BE49-F238E27FC236}">
+                <a16:creationId xmlns:a16="http://schemas.microsoft.com/office/drawing/2014/main" id="{A4249520-57C2-DA46-9192-B0E97C17E7C4}"/>
+              </a:ext>
+            </a:extLst>
+          </p:cNvPr>
+          <p:cNvSpPr txBox="1"/>
+          <p:nvPr/>
+        </p:nvSpPr>
+        <p:spPr>
+          <a:xfrm>
+            <a:off x="302764" y="2949980"/>
+            <a:ext cx="834652" cy="369332"/>
+          </a:xfrm>
+          <a:prstGeom prst="rect">
+            <a:avLst/>
+          </a:prstGeom>
+          <a:noFill/>
+        </p:spPr>
+        <p:txBody>
+          <a:bodyPr wrap="none" rtlCol="0">
+            <a:spAutoFit/>
+          </a:bodyPr>
+          <a:lstStyle/>
+          <a:p>
+            <a:r>
+              <a:rPr lang="en-US" dirty="0"/>
+              <a:t>WARM</a:t>
+            </a:r>
+          </a:p>
+        </p:txBody>
+      </p:sp>
+      <p:sp>
+        <p:nvSpPr>
+          <p:cNvPr id="9" name="TextBox 8">
+            <a:extLst>
+              <a:ext uri="{FF2B5EF4-FFF2-40B4-BE49-F238E27FC236}">
+                <a16:creationId xmlns:a16="http://schemas.microsoft.com/office/drawing/2014/main" id="{B7112330-6153-1740-8F09-358FA74B8217}"/>
+              </a:ext>
+            </a:extLst>
+          </p:cNvPr>
+          <p:cNvSpPr txBox="1"/>
+          <p:nvPr/>
+        </p:nvSpPr>
+        <p:spPr>
+          <a:xfrm>
+            <a:off x="7367022" y="2949980"/>
+            <a:ext cx="735971" cy="369332"/>
+          </a:xfrm>
+          <a:prstGeom prst="rect">
+            <a:avLst/>
+          </a:prstGeom>
+          <a:noFill/>
+        </p:spPr>
+        <p:txBody>
+          <a:bodyPr wrap="none" rtlCol="0">
+            <a:spAutoFit/>
+          </a:bodyPr>
+          <a:lstStyle/>
+          <a:p>
+            <a:r>
+              <a:rPr lang="en-US" dirty="0"/>
+              <a:t>TOUGH</a:t>
+            </a:r>
+          </a:p>
+        </p:txBody>
+      </p:sp>
+      <p:sp>
+        <p:nvSpPr>
+          <p:cNvPr id="10" name="TextBox 9">
+            <a:extLst>
+              <a:ext uri="{FF2B5EF4-FFF2-40B4-BE49-F238E27FC236}">
+                <a16:creationId xmlns:a16="http://schemas.microsoft.com/office/drawing/2014/main" id="{916F16C2-EA99-4046-BEF9-9AE6D4C29105}"/>
+              </a:ext>
+            </a:extLst>
+          </p:cNvPr>
+          <p:cNvSpPr txBox="1"/>
+          <p:nvPr/>
+        </p:nvSpPr>
+        <p:spPr>
+          <a:xfrm>
+            <a:off x="302764" y="5104083"/>
+            <a:ext cx="8672059" cy="830997"/>
+          </a:xfrm>
+          <a:prstGeom prst="rect">
+            <a:avLst/>
+          </a:prstGeom>
+          <a:noFill/>
+        </p:spPr>
+        <p:txBody>
+          <a:bodyPr wrap="square" rtlCol="0">
+            <a:spAutoFit/>
+          </a:bodyPr>
+          <a:lstStyle/>
+          <a:p>
+            <a:pPr marL="228600" indent="-228600">
+              <a:buAutoNum type="arabicPeriod"/>
+            </a:pPr>
+            <a:r>
+              <a:rPr lang="en-US" sz="1200" dirty="0"/>
+              <a:t>Looks in a positive list of 2k terms &amp; ~5k negative term list</a:t>
+            </a:r>
+          </a:p>
+          <a:p>
+            <a:pPr marL="228600" indent="-228600">
+              <a:buAutoNum type="arabicPeriod"/>
+            </a:pPr>
+            <a:r>
+              <a:rPr lang="en-US" sz="1200" dirty="0"/>
+              <a:t>Then applies part of speech tagging looking for 36 annotations</a:t>
+            </a:r>
+          </a:p>
+          <a:p>
+            <a:pPr marL="685800" lvl="1" indent="-228600">
+              <a:buAutoNum type="arabicPeriod"/>
+            </a:pPr>
+            <a:r>
+              <a:rPr lang="en-US" sz="1200" dirty="0"/>
+              <a:t>Thus the word choice from the list is in context with the order of other POS.  If it satisfies being both a the list and a POS annotation it will be identified as warm/tough.</a:t>
+            </a:r>
+          </a:p>
+        </p:txBody>
+      </p:sp>
+    </p:spTree>
+    <p:extLst>
+      <p:ext uri="{BB962C8B-B14F-4D97-AF65-F5344CB8AC3E}">
+        <p14:creationId xmlns:p14="http://schemas.microsoft.com/office/powerpoint/2010/main" val="497945390"/>
+      </p:ext>
+    </p:extLst>
+  </p:cSld>
+  <p:clrMapOvr>
+    <a:masterClrMapping/>
+  </p:clrMapOvr>
+</p:sld>
+</file>
+
+<file path=ppt/slides/slide4.xml><?xml version="1.0" encoding="utf-8"?>
+<p:sld xmlns:a="http://schemas.openxmlformats.org/drawingml/2006/main" xmlns:r="http://schemas.openxmlformats.org/officeDocument/2006/relationships" xmlns:p="http://schemas.openxmlformats.org/presentationml/2006/main">
+  <p:cSld>
+    <p:spTree>
+      <p:nvGrpSpPr>
+        <p:cNvPr id="1" name=""/>
+        <p:cNvGrpSpPr/>
+        <p:nvPr/>
+      </p:nvGrpSpPr>
+      <p:grpSpPr>
+        <a:xfrm>
+          <a:off x="0" y="0"/>
+          <a:ext cx="0" cy="0"/>
+          <a:chOff x="0" y="0"/>
+          <a:chExt cx="0" cy="0"/>
+        </a:xfrm>
+      </p:grpSpPr>
+      <p:sp>
+        <p:nvSpPr>
+          <p:cNvPr id="2" name="Title 1">
+            <a:extLst>
+              <a:ext uri="{FF2B5EF4-FFF2-40B4-BE49-F238E27FC236}">
+                <a16:creationId xmlns:a16="http://schemas.microsoft.com/office/drawing/2014/main" id="{63ECDE59-F405-2344-B5DF-C79F17D935A5}"/>
+              </a:ext>
+            </a:extLst>
+          </p:cNvPr>
+          <p:cNvSpPr>
+            <a:spLocks noGrp="1"/>
+          </p:cNvSpPr>
+          <p:nvPr>
+            <p:ph type="title"/>
+          </p:nvPr>
+        </p:nvSpPr>
+        <p:spPr/>
+        <p:txBody>
+          <a:bodyPr/>
+          <a:lstStyle/>
+          <a:p>
+            <a:r>
+              <a:rPr lang="en-US" dirty="0"/>
+              <a:t>Open </a:t>
+            </a:r>
+            <a:r>
+              <a:rPr lang="en-US" dirty="0" err="1"/>
+              <a:t>E_politeness.R</a:t>
+            </a:r>
+            <a:endParaRPr lang="en-US" dirty="0"/>
+          </a:p>
+        </p:txBody>
+      </p:sp>
+      <p:sp>
+        <p:nvSpPr>
+          <p:cNvPr id="4" name="Date Placeholder 3">
+            <a:extLst>
+              <a:ext uri="{FF2B5EF4-FFF2-40B4-BE49-F238E27FC236}">
+                <a16:creationId xmlns:a16="http://schemas.microsoft.com/office/drawing/2014/main" id="{627A97CA-0320-CB43-AA7B-9759C7CFAD58}"/>
+              </a:ext>
+            </a:extLst>
+          </p:cNvPr>
+          <p:cNvSpPr>
+            <a:spLocks noGrp="1"/>
+          </p:cNvSpPr>
+          <p:nvPr>
+            <p:ph type="dt" sz="half" idx="10"/>
+          </p:nvPr>
+        </p:nvSpPr>
+        <p:spPr/>
+        <p:txBody>
+          <a:bodyPr/>
+          <a:lstStyle/>
+          <a:p>
+            <a:fld id="{D753EFC8-4232-4598-94F6-94C0EBAFC469}" type="datetime1">
+              <a:rPr lang="en-US" smtClean="0"/>
+              <a:t>2/24/21</a:t>
+            </a:fld>
+            <a:endParaRPr lang="en-US"/>
+          </a:p>
+        </p:txBody>
+      </p:sp>
+      <p:sp>
+        <p:nvSpPr>
+          <p:cNvPr id="5" name="Footer Placeholder 4">
+            <a:extLst>
+              <a:ext uri="{FF2B5EF4-FFF2-40B4-BE49-F238E27FC236}">
+                <a16:creationId xmlns:a16="http://schemas.microsoft.com/office/drawing/2014/main" id="{D740BB9A-41C1-634C-B0EF-5AEFB0C6D19B}"/>
+              </a:ext>
+            </a:extLst>
+          </p:cNvPr>
+          <p:cNvSpPr>
+            <a:spLocks noGrp="1"/>
+          </p:cNvSpPr>
+          <p:nvPr>
+            <p:ph type="ftr" sz="quarter" idx="3"/>
+          </p:nvPr>
+        </p:nvSpPr>
+        <p:spPr/>
+        <p:txBody>
+          <a:bodyPr/>
+          <a:lstStyle/>
+          <a:p>
+            <a:r>
+              <a:rPr lang="en-US"/>
+              <a:t>Kwartler</a:t>
+            </a:r>
+            <a:endParaRPr lang="en-US" dirty="0"/>
+          </a:p>
+        </p:txBody>
+      </p:sp>
+      <p:sp>
+        <p:nvSpPr>
+          <p:cNvPr id="6" name="Slide Number Placeholder 5">
+            <a:extLst>
+              <a:ext uri="{FF2B5EF4-FFF2-40B4-BE49-F238E27FC236}">
+                <a16:creationId xmlns:a16="http://schemas.microsoft.com/office/drawing/2014/main" id="{EBB60A86-4188-6C42-9336-7B663A53F654}"/>
+              </a:ext>
+            </a:extLst>
+          </p:cNvPr>
+          <p:cNvSpPr>
+            <a:spLocks noGrp="1"/>
+          </p:cNvSpPr>
+          <p:nvPr>
+            <p:ph type="sldNum" sz="quarter" idx="4"/>
+          </p:nvPr>
+        </p:nvSpPr>
+        <p:spPr/>
+        <p:txBody>
+          <a:bodyPr/>
+          <a:lstStyle/>
+          <a:p>
+            <a:fld id="{37290FF7-652B-4475-AEAB-8B1A5D23AE09}" type="slidenum">
+              <a:rPr lang="en-US" smtClean="0"/>
+              <a:pPr/>
+              <a:t>4</a:t>
+            </a:fld>
+            <a:endParaRPr lang="en-US" dirty="0"/>
+          </a:p>
+        </p:txBody>
+      </p:sp>
+      <p:pic>
+        <p:nvPicPr>
+          <p:cNvPr id="2050" name="Picture 2" descr="Being polite Doesn't just mean saying &quot;please&quot; - Side-Eyes Chloe | Make a  Meme">
+            <a:extLst>
+              <a:ext uri="{FF2B5EF4-FFF2-40B4-BE49-F238E27FC236}">
+                <a16:creationId xmlns:a16="http://schemas.microsoft.com/office/drawing/2014/main" id="{898C250A-D220-B646-B94C-3399CD83B5EE}"/>
+              </a:ext>
+            </a:extLst>
+          </p:cNvPr>
+          <p:cNvPicPr>
+            <a:picLocks noChangeAspect="1" noChangeArrowheads="1"/>
+          </p:cNvPicPr>
+          <p:nvPr/>
+        </p:nvPicPr>
+        <p:blipFill>
+          <a:blip r:embed="rId2">
+            <a:extLst>
+              <a:ext uri="{28A0092B-C50C-407E-A947-70E740481C1C}">
+                <a14:useLocalDpi xmlns:a14="http://schemas.microsoft.com/office/drawing/2010/main" val="0"/>
+              </a:ext>
+            </a:extLst>
+          </a:blip>
+          <a:srcRect/>
+          <a:stretch>
+            <a:fillRect/>
+          </a:stretch>
+        </p:blipFill>
+        <p:spPr bwMode="auto">
+          <a:xfrm>
+            <a:off x="762000" y="1225550"/>
+            <a:ext cx="7620000" cy="4406900"/>
+          </a:xfrm>
+          <a:prstGeom prst="rect">
+            <a:avLst/>
+          </a:prstGeom>
+          <a:noFill/>
+          <a:extLst>
+            <a:ext uri="{909E8E84-426E-40DD-AFC4-6F175D3DCCD1}">
+              <a14:hiddenFill xmlns:a14="http://schemas.microsoft.com/office/drawing/2010/main">
+                <a:solidFill>
+                  <a:srgbClr val="FFFFFF"/>
+                </a:solidFill>
+              </a14:hiddenFill>
+            </a:ext>
+          </a:extLst>
+        </p:spPr>
+      </p:pic>
+    </p:spTree>
+    <p:extLst>
+      <p:ext uri="{BB962C8B-B14F-4D97-AF65-F5344CB8AC3E}">
+        <p14:creationId xmlns:p14="http://schemas.microsoft.com/office/powerpoint/2010/main" val="735428341"/>
+      </p:ext>
+    </p:extLst>
+  </p:cSld>
+  <p:clrMapOvr>
+    <a:masterClrMapping/>
+  </p:clrMapOvr>
+</p:sld>
+</file>
+
+<file path=ppt/slides/slide5.xml><?xml version="1.0" encoding="utf-8"?>
 <p:sld xmlns:a="http://schemas.openxmlformats.org/drawingml/2006/main" xmlns:r="http://schemas.openxmlformats.org/officeDocument/2006/relationships" xmlns:p="http://schemas.openxmlformats.org/presentationml/2006/main">
   <p:cSld>
     <p:spTree>
@@ -10880,6 +11550,41 @@
           </a:prstGeom>
         </p:spPr>
       </p:pic>
+      <p:sp>
+        <p:nvSpPr>
+          <p:cNvPr id="11" name="Slide Number Placeholder 5">
+            <a:extLst>
+              <a:ext uri="{FF2B5EF4-FFF2-40B4-BE49-F238E27FC236}">
+                <a16:creationId xmlns:a16="http://schemas.microsoft.com/office/drawing/2014/main" id="{A3C000FF-ECB4-F644-8583-6DDE633C297F}"/>
+              </a:ext>
+            </a:extLst>
+          </p:cNvPr>
+          <p:cNvSpPr>
+            <a:spLocks noGrp="1"/>
+          </p:cNvSpPr>
+          <p:nvPr>
+            <p:ph type="sldNum" sz="quarter" idx="4"/>
+          </p:nvPr>
+        </p:nvSpPr>
+        <p:spPr>
+          <a:xfrm>
+            <a:off x="7245743" y="6356351"/>
+            <a:ext cx="857250" cy="365125"/>
+          </a:xfrm>
+        </p:spPr>
+        <p:txBody>
+          <a:bodyPr/>
+          <a:lstStyle/>
+          <a:p>
+            <a:fld id="{37290FF7-652B-4475-AEAB-8B1A5D23AE09}" type="slidenum">
+              <a:rPr lang="en-US" smtClean="0"/>
+              <a:pPr/>
+              <a:t>5</a:t>
+            </a:fld>
+            <a:endParaRPr lang="en-US" dirty="0"/>
+          </a:p>
+        </p:txBody>
+      </p:sp>
     </p:spTree>
     <p:extLst>
       <p:ext uri="{BB962C8B-B14F-4D97-AF65-F5344CB8AC3E}">
@@ -10893,7 +11598,7 @@
 </p:sld>
 </file>
 
-<file path=ppt/slides/slide4.xml><?xml version="1.0" encoding="utf-8"?>
+<file path=ppt/slides/slide6.xml><?xml version="1.0" encoding="utf-8"?>
 <p:sld xmlns:a="http://schemas.openxmlformats.org/drawingml/2006/main" xmlns:r="http://schemas.openxmlformats.org/officeDocument/2006/relationships" xmlns:p="http://schemas.openxmlformats.org/presentationml/2006/main">
   <p:cSld>
     <p:spTree>
@@ -11087,6 +11792,41 @@
           </a:fontRef>
         </p:style>
       </p:cxnSp>
+      <p:sp>
+        <p:nvSpPr>
+          <p:cNvPr id="8" name="Slide Number Placeholder 5">
+            <a:extLst>
+              <a:ext uri="{FF2B5EF4-FFF2-40B4-BE49-F238E27FC236}">
+                <a16:creationId xmlns:a16="http://schemas.microsoft.com/office/drawing/2014/main" id="{97B7D799-989B-B048-8D0D-CC2222190496}"/>
+              </a:ext>
+            </a:extLst>
+          </p:cNvPr>
+          <p:cNvSpPr>
+            <a:spLocks noGrp="1"/>
+          </p:cNvSpPr>
+          <p:nvPr>
+            <p:ph type="sldNum" sz="quarter" idx="4"/>
+          </p:nvPr>
+        </p:nvSpPr>
+        <p:spPr>
+          <a:xfrm>
+            <a:off x="7245743" y="6356351"/>
+            <a:ext cx="857250" cy="365125"/>
+          </a:xfrm>
+        </p:spPr>
+        <p:txBody>
+          <a:bodyPr/>
+          <a:lstStyle/>
+          <a:p>
+            <a:fld id="{37290FF7-652B-4475-AEAB-8B1A5D23AE09}" type="slidenum">
+              <a:rPr lang="en-US" smtClean="0"/>
+              <a:pPr/>
+              <a:t>6</a:t>
+            </a:fld>
+            <a:endParaRPr lang="en-US" dirty="0"/>
+          </a:p>
+        </p:txBody>
+      </p:sp>
     </p:spTree>
     <p:extLst>
       <p:ext uri="{BB962C8B-B14F-4D97-AF65-F5344CB8AC3E}">
@@ -11100,7 +11840,7 @@
 </p:sld>
 </file>
 
-<file path=ppt/slides/slide5.xml><?xml version="1.0" encoding="utf-8"?>
+<file path=ppt/slides/slide7.xml><?xml version="1.0" encoding="utf-8"?>
 <p:sld xmlns:a="http://schemas.openxmlformats.org/drawingml/2006/main" xmlns:r="http://schemas.openxmlformats.org/officeDocument/2006/relationships" xmlns:p="http://schemas.openxmlformats.org/presentationml/2006/main">
   <p:cSld>
     <p:spTree>
@@ -11134,7 +11874,7 @@
           <a:p>
             <a:fld id="{6700A58B-DD98-43D0-B791-721480A02982}" type="datetime1">
               <a:rPr lang="en-US" smtClean="0"/>
-              <a:t>2/21/21</a:t>
+              <a:t>2/24/21</a:t>
             </a:fld>
             <a:endParaRPr lang="en-US"/>
           </a:p>
@@ -11208,7 +11948,7 @@
             <a:fld id="{37290FF7-652B-4475-AEAB-8B1A5D23AE09}" type="slidenum">
               <a:rPr lang="en-US" smtClean="0"/>
               <a:pPr/>
-              <a:t>5</a:t>
+              <a:t>7</a:t>
             </a:fld>
             <a:endParaRPr lang="en-US" dirty="0"/>
           </a:p>
@@ -13554,7 +14294,7 @@
 </p:sld>
 </file>
 
-<file path=ppt/slides/slide6.xml><?xml version="1.0" encoding="utf-8"?>
+<file path=ppt/slides/slide8.xml><?xml version="1.0" encoding="utf-8"?>
 <p:sld xmlns:a="http://schemas.openxmlformats.org/drawingml/2006/main" xmlns:r="http://schemas.openxmlformats.org/officeDocument/2006/relationships" xmlns:p="http://schemas.openxmlformats.org/presentationml/2006/main">
   <p:cSld>
     <p:spTree>
@@ -13588,7 +14328,7 @@
           <a:p>
             <a:fld id="{6700A58B-DD98-43D0-B791-721480A02982}" type="datetime1">
               <a:rPr lang="en-US" smtClean="0"/>
-              <a:t>2/21/21</a:t>
+              <a:t>2/24/21</a:t>
             </a:fld>
             <a:endParaRPr lang="en-US"/>
           </a:p>
@@ -13657,7 +14397,7 @@
             <a:fld id="{37290FF7-652B-4475-AEAB-8B1A5D23AE09}" type="slidenum">
               <a:rPr lang="en-US" smtClean="0"/>
               <a:pPr/>
-              <a:t>6</a:t>
+              <a:t>8</a:t>
             </a:fld>
             <a:endParaRPr lang="en-US" dirty="0"/>
           </a:p>
@@ -13803,7 +14543,7 @@
 </p:sld>
 </file>
 
-<file path=ppt/slides/slide7.xml><?xml version="1.0" encoding="utf-8"?>
+<file path=ppt/slides/slide9.xml><?xml version="1.0" encoding="utf-8"?>
 <p:sld xmlns:a="http://schemas.openxmlformats.org/drawingml/2006/main" xmlns:r="http://schemas.openxmlformats.org/officeDocument/2006/relationships" xmlns:p="http://schemas.openxmlformats.org/presentationml/2006/main">
   <p:cSld>
     <p:spTree>
@@ -13837,7 +14577,7 @@
           <a:p>
             <a:fld id="{6700A58B-DD98-43D0-B791-721480A02982}" type="datetime1">
               <a:rPr lang="en-US" smtClean="0"/>
-              <a:t>2/21/21</a:t>
+              <a:t>2/24/21</a:t>
             </a:fld>
             <a:endParaRPr lang="en-US"/>
           </a:p>
@@ -13906,7 +14646,7 @@
             <a:fld id="{37290FF7-652B-4475-AEAB-8B1A5D23AE09}" type="slidenum">
               <a:rPr lang="en-US" smtClean="0"/>
               <a:pPr/>
-              <a:t>7</a:t>
+              <a:t>9</a:t>
             </a:fld>
             <a:endParaRPr lang="en-US" dirty="0"/>
           </a:p>
@@ -14891,710 +15631,6 @@
       <p:bldP spid="10" grpId="0" animBg="1"/>
     </p:bldLst>
   </p:timing>
-</p:sld>
-</file>
-
-<file path=ppt/slides/slide8.xml><?xml version="1.0" encoding="utf-8"?>
-<p:sld xmlns:a="http://schemas.openxmlformats.org/drawingml/2006/main" xmlns:r="http://schemas.openxmlformats.org/officeDocument/2006/relationships" xmlns:p="http://schemas.openxmlformats.org/presentationml/2006/main">
-  <p:cSld>
-    <p:spTree>
-      <p:nvGrpSpPr>
-        <p:cNvPr id="1" name=""/>
-        <p:cNvGrpSpPr/>
-        <p:nvPr/>
-      </p:nvGrpSpPr>
-      <p:grpSpPr>
-        <a:xfrm>
-          <a:off x="0" y="0"/>
-          <a:ext cx="0" cy="0"/>
-          <a:chOff x="0" y="0"/>
-          <a:chExt cx="0" cy="0"/>
-        </a:xfrm>
-      </p:grpSpPr>
-      <p:sp>
-        <p:nvSpPr>
-          <p:cNvPr id="2" name="Date Placeholder 1"/>
-          <p:cNvSpPr>
-            <a:spLocks noGrp="1"/>
-          </p:cNvSpPr>
-          <p:nvPr>
-            <p:ph type="dt" sz="half" idx="10"/>
-          </p:nvPr>
-        </p:nvSpPr>
-        <p:spPr/>
-        <p:txBody>
-          <a:bodyPr/>
-          <a:lstStyle/>
-          <a:p>
-            <a:fld id="{6700A58B-DD98-43D0-B791-721480A02982}" type="datetime1">
-              <a:rPr lang="en-US" smtClean="0"/>
-              <a:t>2/21/21</a:t>
-            </a:fld>
-            <a:endParaRPr lang="en-US"/>
-          </a:p>
-        </p:txBody>
-      </p:sp>
-      <p:sp>
-        <p:nvSpPr>
-          <p:cNvPr id="3" name="Title 2"/>
-          <p:cNvSpPr>
-            <a:spLocks noGrp="1"/>
-          </p:cNvSpPr>
-          <p:nvPr>
-            <p:ph type="title"/>
-          </p:nvPr>
-        </p:nvSpPr>
-        <p:spPr/>
-        <p:txBody>
-          <a:bodyPr/>
-          <a:lstStyle/>
-          <a:p>
-            <a:r>
-              <a:rPr lang="en-US" dirty="0"/>
-              <a:t>In this exercise we will examine song lyrics</a:t>
-            </a:r>
-          </a:p>
-        </p:txBody>
-      </p:sp>
-      <p:sp>
-        <p:nvSpPr>
-          <p:cNvPr id="4" name="Footer Placeholder 3"/>
-          <p:cNvSpPr>
-            <a:spLocks noGrp="1"/>
-          </p:cNvSpPr>
-          <p:nvPr>
-            <p:ph type="ftr" sz="quarter" idx="3"/>
-          </p:nvPr>
-        </p:nvSpPr>
-        <p:spPr/>
-        <p:txBody>
-          <a:bodyPr/>
-          <a:lstStyle/>
-          <a:p>
-            <a:r>
-              <a:rPr lang="en-US"/>
-              <a:t>Kwartler</a:t>
-            </a:r>
-            <a:endParaRPr lang="en-US" dirty="0"/>
-          </a:p>
-        </p:txBody>
-      </p:sp>
-      <p:sp>
-        <p:nvSpPr>
-          <p:cNvPr id="5" name="Slide Number Placeholder 4"/>
-          <p:cNvSpPr>
-            <a:spLocks noGrp="1"/>
-          </p:cNvSpPr>
-          <p:nvPr>
-            <p:ph type="sldNum" sz="quarter" idx="4"/>
-          </p:nvPr>
-        </p:nvSpPr>
-        <p:spPr/>
-        <p:txBody>
-          <a:bodyPr/>
-          <a:lstStyle/>
-          <a:p>
-            <a:fld id="{37290FF7-652B-4475-AEAB-8B1A5D23AE09}" type="slidenum">
-              <a:rPr lang="en-US" smtClean="0"/>
-              <a:pPr/>
-              <a:t>8</a:t>
-            </a:fld>
-            <a:endParaRPr lang="en-US" dirty="0"/>
-          </a:p>
-        </p:txBody>
-      </p:sp>
-      <p:pic>
-        <p:nvPicPr>
-          <p:cNvPr id="6" name="Picture 5">
-            <a:extLst>
-              <a:ext uri="{FF2B5EF4-FFF2-40B4-BE49-F238E27FC236}">
-                <a16:creationId xmlns:a16="http://schemas.microsoft.com/office/drawing/2014/main" id="{43321A06-9471-48C7-B813-FF43E5D3F26A}"/>
-              </a:ext>
-            </a:extLst>
-          </p:cNvPr>
-          <p:cNvPicPr>
-            <a:picLocks noChangeAspect="1"/>
-          </p:cNvPicPr>
-          <p:nvPr/>
-        </p:nvPicPr>
-        <p:blipFill>
-          <a:blip r:embed="rId2"/>
-          <a:stretch>
-            <a:fillRect/>
-          </a:stretch>
-        </p:blipFill>
-        <p:spPr>
-          <a:xfrm>
-            <a:off x="644442" y="1264820"/>
-            <a:ext cx="6315075" cy="3943350"/>
-          </a:xfrm>
-          <a:prstGeom prst="rect">
-            <a:avLst/>
-          </a:prstGeom>
-        </p:spPr>
-      </p:pic>
-      <p:cxnSp>
-        <p:nvCxnSpPr>
-          <p:cNvPr id="9" name="Straight Connector 8">
-            <a:extLst>
-              <a:ext uri="{FF2B5EF4-FFF2-40B4-BE49-F238E27FC236}">
-                <a16:creationId xmlns:a16="http://schemas.microsoft.com/office/drawing/2014/main" id="{EDB8A8B8-B746-EF49-AA0A-1EB9AE31C3E7}"/>
-              </a:ext>
-            </a:extLst>
-          </p:cNvPr>
-          <p:cNvCxnSpPr/>
-          <p:nvPr/>
-        </p:nvCxnSpPr>
-        <p:spPr>
-          <a:xfrm>
-            <a:off x="6798363" y="6549885"/>
-            <a:ext cx="0" cy="182880"/>
-          </a:xfrm>
-          <a:prstGeom prst="line">
-            <a:avLst/>
-          </a:prstGeom>
-          <a:ln>
-            <a:solidFill>
-              <a:schemeClr val="bg1">
-                <a:lumMod val="85000"/>
-              </a:schemeClr>
-            </a:solidFill>
-          </a:ln>
-        </p:spPr>
-        <p:style>
-          <a:lnRef idx="1">
-            <a:schemeClr val="accent1"/>
-          </a:lnRef>
-          <a:fillRef idx="0">
-            <a:schemeClr val="accent1"/>
-          </a:fillRef>
-          <a:effectRef idx="0">
-            <a:schemeClr val="accent1"/>
-          </a:effectRef>
-          <a:fontRef idx="minor">
-            <a:schemeClr val="tx1"/>
-          </a:fontRef>
-        </p:style>
-      </p:cxnSp>
-      <p:cxnSp>
-        <p:nvCxnSpPr>
-          <p:cNvPr id="10" name="Straight Connector 9">
-            <a:extLst>
-              <a:ext uri="{FF2B5EF4-FFF2-40B4-BE49-F238E27FC236}">
-                <a16:creationId xmlns:a16="http://schemas.microsoft.com/office/drawing/2014/main" id="{3E861DD3-4CF5-3F4B-96A7-76FFEDD98FCF}"/>
-              </a:ext>
-            </a:extLst>
-          </p:cNvPr>
-          <p:cNvCxnSpPr/>
-          <p:nvPr/>
-        </p:nvCxnSpPr>
-        <p:spPr>
-          <a:xfrm>
-            <a:off x="7076661" y="4664763"/>
-            <a:ext cx="182880" cy="0"/>
-          </a:xfrm>
-          <a:prstGeom prst="line">
-            <a:avLst/>
-          </a:prstGeom>
-          <a:ln>
-            <a:solidFill>
-              <a:schemeClr val="bg1">
-                <a:lumMod val="85000"/>
-              </a:schemeClr>
-            </a:solidFill>
-          </a:ln>
-        </p:spPr>
-        <p:style>
-          <a:lnRef idx="1">
-            <a:schemeClr val="accent1"/>
-          </a:lnRef>
-          <a:fillRef idx="0">
-            <a:schemeClr val="accent1"/>
-          </a:fillRef>
-          <a:effectRef idx="0">
-            <a:schemeClr val="accent1"/>
-          </a:effectRef>
-          <a:fontRef idx="minor">
-            <a:schemeClr val="tx1"/>
-          </a:fontRef>
-        </p:style>
-      </p:cxnSp>
-    </p:spTree>
-    <p:extLst>
-      <p:ext uri="{BB962C8B-B14F-4D97-AF65-F5344CB8AC3E}">
-        <p14:creationId xmlns:p14="http://schemas.microsoft.com/office/powerpoint/2010/main" val="2412190367"/>
-      </p:ext>
-    </p:extLst>
-  </p:cSld>
-  <p:clrMapOvr>
-    <a:masterClrMapping/>
-  </p:clrMapOvr>
-</p:sld>
-</file>
-
-<file path=ppt/slides/slide9.xml><?xml version="1.0" encoding="utf-8"?>
-<p:sld xmlns:a="http://schemas.openxmlformats.org/drawingml/2006/main" xmlns:r="http://schemas.openxmlformats.org/officeDocument/2006/relationships" xmlns:p="http://schemas.openxmlformats.org/presentationml/2006/main">
-  <p:cSld>
-    <p:spTree>
-      <p:nvGrpSpPr>
-        <p:cNvPr id="1" name=""/>
-        <p:cNvGrpSpPr/>
-        <p:nvPr/>
-      </p:nvGrpSpPr>
-      <p:grpSpPr>
-        <a:xfrm>
-          <a:off x="0" y="0"/>
-          <a:ext cx="0" cy="0"/>
-          <a:chOff x="0" y="0"/>
-          <a:chExt cx="0" cy="0"/>
-        </a:xfrm>
-      </p:grpSpPr>
-      <p:sp>
-        <p:nvSpPr>
-          <p:cNvPr id="2" name="Date Placeholder 1">
-            <a:extLst>
-              <a:ext uri="{FF2B5EF4-FFF2-40B4-BE49-F238E27FC236}">
-                <a16:creationId xmlns:a16="http://schemas.microsoft.com/office/drawing/2014/main" id="{1C96ADC6-A8AF-4177-80C3-00592755C6E2}"/>
-              </a:ext>
-            </a:extLst>
-          </p:cNvPr>
-          <p:cNvSpPr>
-            <a:spLocks noGrp="1"/>
-          </p:cNvSpPr>
-          <p:nvPr>
-            <p:ph type="dt" sz="half" idx="10"/>
-          </p:nvPr>
-        </p:nvSpPr>
-        <p:spPr/>
-        <p:txBody>
-          <a:bodyPr/>
-          <a:lstStyle/>
-          <a:p>
-            <a:fld id="{6700A58B-DD98-43D0-B791-721480A02982}" type="datetime1">
-              <a:rPr lang="en-US" smtClean="0"/>
-              <a:pPr/>
-              <a:t>2/21/21</a:t>
-            </a:fld>
-            <a:endParaRPr lang="en-US"/>
-          </a:p>
-        </p:txBody>
-      </p:sp>
-      <p:sp>
-        <p:nvSpPr>
-          <p:cNvPr id="3" name="Title 2">
-            <a:extLst>
-              <a:ext uri="{FF2B5EF4-FFF2-40B4-BE49-F238E27FC236}">
-                <a16:creationId xmlns:a16="http://schemas.microsoft.com/office/drawing/2014/main" id="{4F6055C4-6C20-45AD-A381-AF38F6DD4455}"/>
-              </a:ext>
-            </a:extLst>
-          </p:cNvPr>
-          <p:cNvSpPr>
-            <a:spLocks noGrp="1"/>
-          </p:cNvSpPr>
-          <p:nvPr>
-            <p:ph type="title"/>
-          </p:nvPr>
-        </p:nvSpPr>
-        <p:spPr>
-          <a:xfrm>
-            <a:off x="220717" y="365126"/>
-            <a:ext cx="8623738" cy="591477"/>
-          </a:xfrm>
-        </p:spPr>
-        <p:txBody>
-          <a:bodyPr/>
-          <a:lstStyle/>
-          <a:p>
-            <a:r>
-              <a:rPr lang="en-US" sz="2800" dirty="0"/>
-              <a:t>Sentiment the Tidy Way uses joins with existing lexicons</a:t>
-            </a:r>
-          </a:p>
-        </p:txBody>
-      </p:sp>
-      <p:sp>
-        <p:nvSpPr>
-          <p:cNvPr id="9" name="Footer Placeholder 5">
-            <a:extLst>
-              <a:ext uri="{FF2B5EF4-FFF2-40B4-BE49-F238E27FC236}">
-                <a16:creationId xmlns:a16="http://schemas.microsoft.com/office/drawing/2014/main" id="{743436D9-66D6-480D-8753-218AB2841401}"/>
-              </a:ext>
-            </a:extLst>
-          </p:cNvPr>
-          <p:cNvSpPr>
-            <a:spLocks noGrp="1"/>
-          </p:cNvSpPr>
-          <p:nvPr>
-            <p:ph type="ftr" sz="quarter" idx="3"/>
-          </p:nvPr>
-        </p:nvSpPr>
-        <p:spPr/>
-        <p:txBody>
-          <a:bodyPr/>
-          <a:lstStyle/>
-          <a:p>
-            <a:r>
-              <a:rPr lang="en-US"/>
-              <a:t>Kwartler CSCI -96</a:t>
-            </a:r>
-            <a:endParaRPr lang="en-US" dirty="0"/>
-          </a:p>
-        </p:txBody>
-      </p:sp>
-      <p:sp>
-        <p:nvSpPr>
-          <p:cNvPr id="4" name="Slide Number Placeholder 3">
-            <a:extLst>
-              <a:ext uri="{FF2B5EF4-FFF2-40B4-BE49-F238E27FC236}">
-                <a16:creationId xmlns:a16="http://schemas.microsoft.com/office/drawing/2014/main" id="{70A44E92-3086-4AF5-BE02-6B5834CCC318}"/>
-              </a:ext>
-            </a:extLst>
-          </p:cNvPr>
-          <p:cNvSpPr>
-            <a:spLocks noGrp="1"/>
-          </p:cNvSpPr>
-          <p:nvPr>
-            <p:ph type="sldNum" sz="quarter" idx="4"/>
-          </p:nvPr>
-        </p:nvSpPr>
-        <p:spPr/>
-        <p:txBody>
-          <a:bodyPr/>
-          <a:lstStyle/>
-          <a:p>
-            <a:fld id="{37290FF7-652B-4475-AEAB-8B1A5D23AE09}" type="slidenum">
-              <a:rPr lang="en-US" smtClean="0"/>
-              <a:pPr/>
-              <a:t>9</a:t>
-            </a:fld>
-            <a:endParaRPr lang="en-US"/>
-          </a:p>
-        </p:txBody>
-      </p:sp>
-      <p:cxnSp>
-        <p:nvCxnSpPr>
-          <p:cNvPr id="12" name="Straight Connector 11">
-            <a:extLst>
-              <a:ext uri="{FF2B5EF4-FFF2-40B4-BE49-F238E27FC236}">
-                <a16:creationId xmlns:a16="http://schemas.microsoft.com/office/drawing/2014/main" id="{33840748-A370-1D4A-98B6-ED80AB54163A}"/>
-              </a:ext>
-            </a:extLst>
-          </p:cNvPr>
-          <p:cNvCxnSpPr/>
-          <p:nvPr/>
-        </p:nvCxnSpPr>
-        <p:spPr>
-          <a:xfrm>
-            <a:off x="6798363" y="6549885"/>
-            <a:ext cx="0" cy="182880"/>
-          </a:xfrm>
-          <a:prstGeom prst="line">
-            <a:avLst/>
-          </a:prstGeom>
-          <a:ln>
-            <a:solidFill>
-              <a:schemeClr val="bg1">
-                <a:lumMod val="85000"/>
-              </a:schemeClr>
-            </a:solidFill>
-          </a:ln>
-        </p:spPr>
-        <p:style>
-          <a:lnRef idx="1">
-            <a:schemeClr val="accent1"/>
-          </a:lnRef>
-          <a:fillRef idx="0">
-            <a:schemeClr val="accent1"/>
-          </a:fillRef>
-          <a:effectRef idx="0">
-            <a:schemeClr val="accent1"/>
-          </a:effectRef>
-          <a:fontRef idx="minor">
-            <a:schemeClr val="tx1"/>
-          </a:fontRef>
-        </p:style>
-      </p:cxnSp>
-      <p:cxnSp>
-        <p:nvCxnSpPr>
-          <p:cNvPr id="13" name="Straight Connector 12">
-            <a:extLst>
-              <a:ext uri="{FF2B5EF4-FFF2-40B4-BE49-F238E27FC236}">
-                <a16:creationId xmlns:a16="http://schemas.microsoft.com/office/drawing/2014/main" id="{E405A55E-4150-BB40-9C65-8A5E00B89CEA}"/>
-              </a:ext>
-            </a:extLst>
-          </p:cNvPr>
-          <p:cNvCxnSpPr/>
-          <p:nvPr/>
-        </p:nvCxnSpPr>
-        <p:spPr>
-          <a:xfrm>
-            <a:off x="7076661" y="4664763"/>
-            <a:ext cx="182880" cy="0"/>
-          </a:xfrm>
-          <a:prstGeom prst="line">
-            <a:avLst/>
-          </a:prstGeom>
-          <a:ln>
-            <a:solidFill>
-              <a:schemeClr val="bg1">
-                <a:lumMod val="85000"/>
-              </a:schemeClr>
-            </a:solidFill>
-          </a:ln>
-        </p:spPr>
-        <p:style>
-          <a:lnRef idx="1">
-            <a:schemeClr val="accent1"/>
-          </a:lnRef>
-          <a:fillRef idx="0">
-            <a:schemeClr val="accent1"/>
-          </a:fillRef>
-          <a:effectRef idx="0">
-            <a:schemeClr val="accent1"/>
-          </a:effectRef>
-          <a:fontRef idx="minor">
-            <a:schemeClr val="tx1"/>
-          </a:fontRef>
-        </p:style>
-      </p:cxnSp>
-      <p:pic>
-        <p:nvPicPr>
-          <p:cNvPr id="15" name="Picture 14" descr="A screenshot of a cell phone&#10;&#10;Description automatically generated">
-            <a:extLst>
-              <a:ext uri="{FF2B5EF4-FFF2-40B4-BE49-F238E27FC236}">
-                <a16:creationId xmlns:a16="http://schemas.microsoft.com/office/drawing/2014/main" id="{41D6E390-18F6-A246-88BD-A9E4B309D7E2}"/>
-              </a:ext>
-            </a:extLst>
-          </p:cNvPr>
-          <p:cNvPicPr>
-            <a:picLocks noChangeAspect="1"/>
-          </p:cNvPicPr>
-          <p:nvPr/>
-        </p:nvPicPr>
-        <p:blipFill>
-          <a:blip r:embed="rId2">
-            <a:extLst>
-              <a:ext uri="{28A0092B-C50C-407E-A947-70E740481C1C}">
-                <a14:useLocalDpi xmlns:a14="http://schemas.microsoft.com/office/drawing/2010/main" val="0"/>
-              </a:ext>
-            </a:extLst>
-          </a:blip>
-          <a:stretch>
-            <a:fillRect/>
-          </a:stretch>
-        </p:blipFill>
-        <p:spPr>
-          <a:xfrm>
-            <a:off x="257865" y="1461052"/>
-            <a:ext cx="3982830" cy="2259351"/>
-          </a:xfrm>
-          <a:prstGeom prst="rect">
-            <a:avLst/>
-          </a:prstGeom>
-          <a:ln>
-            <a:solidFill>
-              <a:schemeClr val="tx1"/>
-            </a:solidFill>
-          </a:ln>
-        </p:spPr>
-      </p:pic>
-      <p:sp>
-        <p:nvSpPr>
-          <p:cNvPr id="18" name="TextBox 17">
-            <a:extLst>
-              <a:ext uri="{FF2B5EF4-FFF2-40B4-BE49-F238E27FC236}">
-                <a16:creationId xmlns:a16="http://schemas.microsoft.com/office/drawing/2014/main" id="{7C35328F-AF7E-0541-9110-C18A28A41A99}"/>
-              </a:ext>
-            </a:extLst>
-          </p:cNvPr>
-          <p:cNvSpPr txBox="1"/>
-          <p:nvPr/>
-        </p:nvSpPr>
-        <p:spPr>
-          <a:xfrm>
-            <a:off x="159026" y="1113183"/>
-            <a:ext cx="1311578" cy="369332"/>
-          </a:xfrm>
-          <a:prstGeom prst="rect">
-            <a:avLst/>
-          </a:prstGeom>
-          <a:noFill/>
-        </p:spPr>
-        <p:txBody>
-          <a:bodyPr wrap="none" rtlCol="0">
-            <a:spAutoFit/>
-          </a:bodyPr>
-          <a:lstStyle/>
-          <a:p>
-            <a:r>
-              <a:rPr lang="en-US" dirty="0"/>
-              <a:t>6782 Words</a:t>
-            </a:r>
-          </a:p>
-        </p:txBody>
-      </p:sp>
-      <p:sp>
-        <p:nvSpPr>
-          <p:cNvPr id="20" name="TextBox 19">
-            <a:extLst>
-              <a:ext uri="{FF2B5EF4-FFF2-40B4-BE49-F238E27FC236}">
-                <a16:creationId xmlns:a16="http://schemas.microsoft.com/office/drawing/2014/main" id="{029F1A01-EF4E-D54D-B2C9-8019EF4175BD}"/>
-              </a:ext>
-            </a:extLst>
-          </p:cNvPr>
-          <p:cNvSpPr txBox="1"/>
-          <p:nvPr/>
-        </p:nvSpPr>
-        <p:spPr>
-          <a:xfrm>
-            <a:off x="4287078" y="1133062"/>
-            <a:ext cx="1311578" cy="369332"/>
-          </a:xfrm>
-          <a:prstGeom prst="rect">
-            <a:avLst/>
-          </a:prstGeom>
-          <a:noFill/>
-        </p:spPr>
-        <p:txBody>
-          <a:bodyPr wrap="none" rtlCol="0">
-            <a:spAutoFit/>
-          </a:bodyPr>
-          <a:lstStyle/>
-          <a:p>
-            <a:r>
-              <a:rPr lang="en-US" dirty="0"/>
-              <a:t>2477 Words</a:t>
-            </a:r>
-          </a:p>
-        </p:txBody>
-      </p:sp>
-      <p:sp>
-        <p:nvSpPr>
-          <p:cNvPr id="23" name="TextBox 22">
-            <a:extLst>
-              <a:ext uri="{FF2B5EF4-FFF2-40B4-BE49-F238E27FC236}">
-                <a16:creationId xmlns:a16="http://schemas.microsoft.com/office/drawing/2014/main" id="{3A20560B-4DD8-A74F-9054-1901BAABD543}"/>
-              </a:ext>
-            </a:extLst>
-          </p:cNvPr>
-          <p:cNvSpPr txBox="1"/>
-          <p:nvPr/>
-        </p:nvSpPr>
-        <p:spPr>
-          <a:xfrm>
-            <a:off x="165652" y="3796748"/>
-            <a:ext cx="1311578" cy="369332"/>
-          </a:xfrm>
-          <a:prstGeom prst="rect">
-            <a:avLst/>
-          </a:prstGeom>
-          <a:noFill/>
-        </p:spPr>
-        <p:txBody>
-          <a:bodyPr wrap="none" rtlCol="0">
-            <a:spAutoFit/>
-          </a:bodyPr>
-          <a:lstStyle/>
-          <a:p>
-            <a:r>
-              <a:rPr lang="en-US" dirty="0"/>
-              <a:t>4463 Words</a:t>
-            </a:r>
-          </a:p>
-        </p:txBody>
-      </p:sp>
-      <p:pic>
-        <p:nvPicPr>
-          <p:cNvPr id="25" name="Picture 24" descr="A screenshot of a cell phone&#10;&#10;Description automatically generated">
-            <a:extLst>
-              <a:ext uri="{FF2B5EF4-FFF2-40B4-BE49-F238E27FC236}">
-                <a16:creationId xmlns:a16="http://schemas.microsoft.com/office/drawing/2014/main" id="{C7F973D3-26B1-E943-97B5-013D927EC93F}"/>
-              </a:ext>
-            </a:extLst>
-          </p:cNvPr>
-          <p:cNvPicPr>
-            <a:picLocks noChangeAspect="1"/>
-          </p:cNvPicPr>
-          <p:nvPr/>
-        </p:nvPicPr>
-        <p:blipFill>
-          <a:blip r:embed="rId3">
-            <a:extLst>
-              <a:ext uri="{28A0092B-C50C-407E-A947-70E740481C1C}">
-                <a14:useLocalDpi xmlns:a14="http://schemas.microsoft.com/office/drawing/2010/main" val="0"/>
-              </a:ext>
-            </a:extLst>
-          </a:blip>
-          <a:stretch>
-            <a:fillRect/>
-          </a:stretch>
-        </p:blipFill>
-        <p:spPr>
-          <a:xfrm>
-            <a:off x="271118" y="4114800"/>
-            <a:ext cx="3280465" cy="1979275"/>
-          </a:xfrm>
-          <a:prstGeom prst="rect">
-            <a:avLst/>
-          </a:prstGeom>
-          <a:ln>
-            <a:solidFill>
-              <a:schemeClr val="tx1"/>
-            </a:solidFill>
-          </a:ln>
-        </p:spPr>
-      </p:pic>
-      <p:pic>
-        <p:nvPicPr>
-          <p:cNvPr id="27" name="Picture 26" descr="A screenshot of a cell phone&#10;&#10;Description automatically generated">
-            <a:extLst>
-              <a:ext uri="{FF2B5EF4-FFF2-40B4-BE49-F238E27FC236}">
-                <a16:creationId xmlns:a16="http://schemas.microsoft.com/office/drawing/2014/main" id="{BAE8646C-C76C-974A-B2E7-8CB3819C5C6D}"/>
-              </a:ext>
-            </a:extLst>
-          </p:cNvPr>
-          <p:cNvPicPr>
-            <a:picLocks noChangeAspect="1"/>
-          </p:cNvPicPr>
-          <p:nvPr/>
-        </p:nvPicPr>
-        <p:blipFill>
-          <a:blip r:embed="rId4">
-            <a:extLst>
-              <a:ext uri="{28A0092B-C50C-407E-A947-70E740481C1C}">
-                <a14:useLocalDpi xmlns:a14="http://schemas.microsoft.com/office/drawing/2010/main" val="0"/>
-              </a:ext>
-            </a:extLst>
-          </a:blip>
-          <a:stretch>
-            <a:fillRect/>
-          </a:stretch>
-        </p:blipFill>
-        <p:spPr>
-          <a:xfrm>
-            <a:off x="4359855" y="1475961"/>
-            <a:ext cx="3479634" cy="1969604"/>
-          </a:xfrm>
-          <a:prstGeom prst="rect">
-            <a:avLst/>
-          </a:prstGeom>
-          <a:ln>
-            <a:solidFill>
-              <a:schemeClr val="tx1"/>
-            </a:solidFill>
-          </a:ln>
-        </p:spPr>
-      </p:pic>
-    </p:spTree>
-    <p:extLst>
-      <p:ext uri="{BB962C8B-B14F-4D97-AF65-F5344CB8AC3E}">
-        <p14:creationId xmlns:p14="http://schemas.microsoft.com/office/powerpoint/2010/main" val="175621166"/>
-      </p:ext>
-    </p:extLst>
-  </p:cSld>
-  <p:clrMapOvr>
-    <a:masterClrMapping/>
-  </p:clrMapOvr>
 </p:sld>
 </file>
 
